--- a/Головизнина/Разработка Android-приложения1.pptx
+++ b/Головизнина/Разработка Android-приложения1.pptx
@@ -872,7 +872,7 @@
 <dgm:dataModel xmlns:dgm="http://schemas.openxmlformats.org/drawingml/2006/diagram" xmlns:a="http://schemas.openxmlformats.org/drawingml/2006/main">
   <dgm:ptLst>
     <dgm:pt modelId="{3E261FD2-D92D-4BBD-8178-58551D957E43}" type="doc">
-      <dgm:prSet loTypeId="urn:microsoft.com/office/officeart/2008/layout/HorizontalMultiLevelHierarchy" loCatId="hierarchy" qsTypeId="urn:microsoft.com/office/officeart/2005/8/quickstyle/simple2" qsCatId="simple" csTypeId="urn:microsoft.com/office/officeart/2005/8/colors/accent4_2" csCatId="accent4" phldr="1"/>
+      <dgm:prSet loTypeId="urn:microsoft.com/office/officeart/2008/layout/HorizontalMultiLevelHierarchy" loCatId="hierarchy" qsTypeId="urn:microsoft.com/office/officeart/2005/8/quickstyle/3d3" qsCatId="3D" csTypeId="urn:microsoft.com/office/officeart/2005/8/colors/accent4_2" csCatId="accent4" phldr="1"/>
       <dgm:spPr/>
       <dgm:t>
         <a:bodyPr/>
@@ -891,7 +891,7 @@
         <a:p>
           <a:r>
             <a:rPr lang="en-US" dirty="0" err="1" smtClean="0"/>
-            <a:t>ChemPaint</a:t>
+            <a:t>Petoo</a:t>
           </a:r>
           <a:endParaRPr lang="ru-RU" dirty="0"/>
         </a:p>
@@ -927,24 +927,8 @@
         <a:lstStyle/>
         <a:p>
           <a:r>
-            <a:rPr lang="uk-UA" dirty="0" err="1" smtClean="0"/>
-            <a:t>Создание</a:t>
-          </a:r>
-          <a:r>
-            <a:rPr lang="uk-UA" dirty="0" smtClean="0"/>
-            <a:t> </a:t>
-          </a:r>
-          <a:r>
-            <a:rPr lang="uk-UA" dirty="0" err="1" smtClean="0"/>
-            <a:t>структурн</a:t>
-          </a:r>
-          <a:r>
-            <a:rPr lang="ru-RU" dirty="0" err="1" smtClean="0"/>
-            <a:t>ых</a:t>
-          </a:r>
-          <a:r>
             <a:rPr lang="ru-RU" dirty="0" smtClean="0"/>
-            <a:t> формул</a:t>
+            <a:t>Возможность регистрации новых пользователей</a:t>
           </a:r>
           <a:endParaRPr lang="ru-RU" dirty="0"/>
         </a:p>
@@ -981,7 +965,7 @@
         <a:p>
           <a:r>
             <a:rPr lang="ru-RU" dirty="0" smtClean="0"/>
-            <a:t>Периодическая система</a:t>
+            <a:t>Функционал для общения</a:t>
           </a:r>
           <a:endParaRPr lang="ru-RU" dirty="0"/>
         </a:p>
@@ -1018,7 +1002,7 @@
         <a:p>
           <a:r>
             <a:rPr lang="ru-RU" dirty="0" smtClean="0"/>
-            <a:t>Шаблоны</a:t>
+            <a:t>Функционал для поиска пары животному</a:t>
           </a:r>
           <a:endParaRPr lang="ru-RU" dirty="0"/>
         </a:p>
@@ -1036,43 +1020,6 @@
       </dgm:t>
     </dgm:pt>
     <dgm:pt modelId="{1EDD980B-C8A6-4393-9433-DA783916B1FC}" type="sibTrans" cxnId="{C42394FE-DC99-4EA7-A9C2-21EC9BE542B6}">
-      <dgm:prSet/>
-      <dgm:spPr/>
-      <dgm:t>
-        <a:bodyPr/>
-        <a:lstStyle/>
-        <a:p>
-          <a:endParaRPr lang="ru-RU"/>
-        </a:p>
-      </dgm:t>
-    </dgm:pt>
-    <dgm:pt modelId="{01FA3CCF-6829-444B-8D9C-DB026FB09277}">
-      <dgm:prSet phldrT="[Текст]"/>
-      <dgm:spPr/>
-      <dgm:t>
-        <a:bodyPr/>
-        <a:lstStyle/>
-        <a:p>
-          <a:r>
-            <a:rPr lang="ru-RU" dirty="0" smtClean="0"/>
-            <a:t>Пользовательские молекулы</a:t>
-          </a:r>
-          <a:endParaRPr lang="ru-RU" dirty="0"/>
-        </a:p>
-      </dgm:t>
-    </dgm:pt>
-    <dgm:pt modelId="{EAC56849-424B-462D-9FB9-5B19F369A47E}" type="parTrans" cxnId="{C209FDFC-C50C-4F46-9016-71ACA23BB987}">
-      <dgm:prSet/>
-      <dgm:spPr/>
-      <dgm:t>
-        <a:bodyPr/>
-        <a:lstStyle/>
-        <a:p>
-          <a:endParaRPr lang="ru-RU"/>
-        </a:p>
-      </dgm:t>
-    </dgm:pt>
-    <dgm:pt modelId="{14454A58-F37F-493F-86ED-1956AFB40CA7}" type="sibTrans" cxnId="{C209FDFC-C50C-4F46-9016-71ACA23BB987}">
       <dgm:prSet/>
       <dgm:spPr/>
       <dgm:t>
@@ -1105,6 +1052,13 @@
     <dgm:pt modelId="{1BF24BA1-1A56-49BC-9286-1EE9E799BEEC}" type="pres">
       <dgm:prSet presAssocID="{72F7FB11-A069-4619-A3E1-59A4D2C06511}" presName="root1" presStyleCnt="0"/>
       <dgm:spPr/>
+      <dgm:t>
+        <a:bodyPr/>
+        <a:lstStyle/>
+        <a:p>
+          <a:endParaRPr lang="ru-RU"/>
+        </a:p>
+      </dgm:t>
     </dgm:pt>
     <dgm:pt modelId="{8D1F0EE0-53A4-4185-9E45-86777A2DDD3C}" type="pres">
       <dgm:prSet presAssocID="{72F7FB11-A069-4619-A3E1-59A4D2C06511}" presName="LevelOneTextNode" presStyleLbl="node0" presStyleIdx="0" presStyleCnt="1">
@@ -1124,9 +1078,16 @@
     <dgm:pt modelId="{877C7888-42C1-43E8-B253-2AED52561C83}" type="pres">
       <dgm:prSet presAssocID="{72F7FB11-A069-4619-A3E1-59A4D2C06511}" presName="level2hierChild" presStyleCnt="0"/>
       <dgm:spPr/>
+      <dgm:t>
+        <a:bodyPr/>
+        <a:lstStyle/>
+        <a:p>
+          <a:endParaRPr lang="ru-RU"/>
+        </a:p>
+      </dgm:t>
     </dgm:pt>
     <dgm:pt modelId="{8697B7BB-5244-41A3-8240-8A6E2DD4C833}" type="pres">
-      <dgm:prSet presAssocID="{6B67B3B4-053D-4A3D-9698-5936B1790EEE}" presName="conn2-1" presStyleLbl="parChTrans1D2" presStyleIdx="0" presStyleCnt="4"/>
+      <dgm:prSet presAssocID="{6B67B3B4-053D-4A3D-9698-5936B1790EEE}" presName="conn2-1" presStyleLbl="parChTrans1D2" presStyleIdx="0" presStyleCnt="3"/>
       <dgm:spPr/>
       <dgm:t>
         <a:bodyPr/>
@@ -1137,7 +1098,7 @@
       </dgm:t>
     </dgm:pt>
     <dgm:pt modelId="{DBDCBCF9-9E3B-4C4F-831E-CB051771496B}" type="pres">
-      <dgm:prSet presAssocID="{6B67B3B4-053D-4A3D-9698-5936B1790EEE}" presName="connTx" presStyleLbl="parChTrans1D2" presStyleIdx="0" presStyleCnt="4"/>
+      <dgm:prSet presAssocID="{6B67B3B4-053D-4A3D-9698-5936B1790EEE}" presName="connTx" presStyleLbl="parChTrans1D2" presStyleIdx="0" presStyleCnt="3"/>
       <dgm:spPr/>
       <dgm:t>
         <a:bodyPr/>
@@ -1150,9 +1111,16 @@
     <dgm:pt modelId="{EFDD86FB-1BAC-45E7-8851-0978AEAE05FC}" type="pres">
       <dgm:prSet presAssocID="{3CC2751C-7BFD-4D60-ADFD-378A753DA464}" presName="root2" presStyleCnt="0"/>
       <dgm:spPr/>
+      <dgm:t>
+        <a:bodyPr/>
+        <a:lstStyle/>
+        <a:p>
+          <a:endParaRPr lang="ru-RU"/>
+        </a:p>
+      </dgm:t>
     </dgm:pt>
     <dgm:pt modelId="{4F2ADE3E-3D30-4AEF-83C5-268E05907D82}" type="pres">
-      <dgm:prSet presAssocID="{3CC2751C-7BFD-4D60-ADFD-378A753DA464}" presName="LevelTwoTextNode" presStyleLbl="node2" presStyleIdx="0" presStyleCnt="4">
+      <dgm:prSet presAssocID="{3CC2751C-7BFD-4D60-ADFD-378A753DA464}" presName="LevelTwoTextNode" presStyleLbl="node2" presStyleIdx="0" presStyleCnt="3">
         <dgm:presLayoutVars>
           <dgm:chPref val="3"/>
         </dgm:presLayoutVars>
@@ -1169,9 +1137,16 @@
     <dgm:pt modelId="{CE89167D-934F-49CC-8CC4-E8BE9D7975C1}" type="pres">
       <dgm:prSet presAssocID="{3CC2751C-7BFD-4D60-ADFD-378A753DA464}" presName="level3hierChild" presStyleCnt="0"/>
       <dgm:spPr/>
+      <dgm:t>
+        <a:bodyPr/>
+        <a:lstStyle/>
+        <a:p>
+          <a:endParaRPr lang="ru-RU"/>
+        </a:p>
+      </dgm:t>
     </dgm:pt>
     <dgm:pt modelId="{66D21E27-2C42-41CC-B7EF-07D8C893EF36}" type="pres">
-      <dgm:prSet presAssocID="{74B50908-D9F6-4654-8B6D-EB07E99D457A}" presName="conn2-1" presStyleLbl="parChTrans1D2" presStyleIdx="1" presStyleCnt="4"/>
+      <dgm:prSet presAssocID="{74B50908-D9F6-4654-8B6D-EB07E99D457A}" presName="conn2-1" presStyleLbl="parChTrans1D2" presStyleIdx="1" presStyleCnt="3"/>
       <dgm:spPr/>
       <dgm:t>
         <a:bodyPr/>
@@ -1182,7 +1157,7 @@
       </dgm:t>
     </dgm:pt>
     <dgm:pt modelId="{20E81CDA-5970-4799-863A-E2E88F705B04}" type="pres">
-      <dgm:prSet presAssocID="{74B50908-D9F6-4654-8B6D-EB07E99D457A}" presName="connTx" presStyleLbl="parChTrans1D2" presStyleIdx="1" presStyleCnt="4"/>
+      <dgm:prSet presAssocID="{74B50908-D9F6-4654-8B6D-EB07E99D457A}" presName="connTx" presStyleLbl="parChTrans1D2" presStyleIdx="1" presStyleCnt="3"/>
       <dgm:spPr/>
       <dgm:t>
         <a:bodyPr/>
@@ -1195,9 +1170,16 @@
     <dgm:pt modelId="{76FB6A8D-1DD0-4478-B323-BEA813774B11}" type="pres">
       <dgm:prSet presAssocID="{D5F895BC-3BB1-4B83-BFD7-6E80D6E5D595}" presName="root2" presStyleCnt="0"/>
       <dgm:spPr/>
+      <dgm:t>
+        <a:bodyPr/>
+        <a:lstStyle/>
+        <a:p>
+          <a:endParaRPr lang="ru-RU"/>
+        </a:p>
+      </dgm:t>
     </dgm:pt>
     <dgm:pt modelId="{FD14C90C-DF9E-434F-807D-6BDEBC857111}" type="pres">
-      <dgm:prSet presAssocID="{D5F895BC-3BB1-4B83-BFD7-6E80D6E5D595}" presName="LevelTwoTextNode" presStyleLbl="node2" presStyleIdx="1" presStyleCnt="4">
+      <dgm:prSet presAssocID="{D5F895BC-3BB1-4B83-BFD7-6E80D6E5D595}" presName="LevelTwoTextNode" presStyleLbl="node2" presStyleIdx="1" presStyleCnt="3">
         <dgm:presLayoutVars>
           <dgm:chPref val="3"/>
         </dgm:presLayoutVars>
@@ -1214,9 +1196,16 @@
     <dgm:pt modelId="{34286684-1B75-4D90-92F0-BEC92A6B2E24}" type="pres">
       <dgm:prSet presAssocID="{D5F895BC-3BB1-4B83-BFD7-6E80D6E5D595}" presName="level3hierChild" presStyleCnt="0"/>
       <dgm:spPr/>
+      <dgm:t>
+        <a:bodyPr/>
+        <a:lstStyle/>
+        <a:p>
+          <a:endParaRPr lang="ru-RU"/>
+        </a:p>
+      </dgm:t>
     </dgm:pt>
     <dgm:pt modelId="{93E2886E-D6F9-4E52-8D50-52F05C4903BC}" type="pres">
-      <dgm:prSet presAssocID="{720C19F0-6DA9-466B-A174-CF6D63A8855B}" presName="conn2-1" presStyleLbl="parChTrans1D2" presStyleIdx="2" presStyleCnt="4"/>
+      <dgm:prSet presAssocID="{720C19F0-6DA9-466B-A174-CF6D63A8855B}" presName="conn2-1" presStyleLbl="parChTrans1D2" presStyleIdx="2" presStyleCnt="3"/>
       <dgm:spPr/>
       <dgm:t>
         <a:bodyPr/>
@@ -1227,7 +1216,7 @@
       </dgm:t>
     </dgm:pt>
     <dgm:pt modelId="{3A0114D2-4502-495C-BEE7-818CA431B35C}" type="pres">
-      <dgm:prSet presAssocID="{720C19F0-6DA9-466B-A174-CF6D63A8855B}" presName="connTx" presStyleLbl="parChTrans1D2" presStyleIdx="2" presStyleCnt="4"/>
+      <dgm:prSet presAssocID="{720C19F0-6DA9-466B-A174-CF6D63A8855B}" presName="connTx" presStyleLbl="parChTrans1D2" presStyleIdx="2" presStyleCnt="3"/>
       <dgm:spPr/>
       <dgm:t>
         <a:bodyPr/>
@@ -1240,9 +1229,16 @@
     <dgm:pt modelId="{3D0278E0-B00E-4C7A-BEB0-47414D42F966}" type="pres">
       <dgm:prSet presAssocID="{6899AECE-B158-4387-9F50-F9E6DA24B36A}" presName="root2" presStyleCnt="0"/>
       <dgm:spPr/>
+      <dgm:t>
+        <a:bodyPr/>
+        <a:lstStyle/>
+        <a:p>
+          <a:endParaRPr lang="ru-RU"/>
+        </a:p>
+      </dgm:t>
     </dgm:pt>
     <dgm:pt modelId="{30C54FC0-15B0-461C-8F18-05963FE2CD9A}" type="pres">
-      <dgm:prSet presAssocID="{6899AECE-B158-4387-9F50-F9E6DA24B36A}" presName="LevelTwoTextNode" presStyleLbl="node2" presStyleIdx="2" presStyleCnt="4">
+      <dgm:prSet presAssocID="{6899AECE-B158-4387-9F50-F9E6DA24B36A}" presName="LevelTwoTextNode" presStyleLbl="node2" presStyleIdx="2" presStyleCnt="3">
         <dgm:presLayoutVars>
           <dgm:chPref val="3"/>
         </dgm:presLayoutVars>
@@ -1259,10 +1255,6 @@
     <dgm:pt modelId="{ACC5ABB6-8376-45D6-8405-B4A766F2BB73}" type="pres">
       <dgm:prSet presAssocID="{6899AECE-B158-4387-9F50-F9E6DA24B36A}" presName="level3hierChild" presStyleCnt="0"/>
       <dgm:spPr/>
-    </dgm:pt>
-    <dgm:pt modelId="{090B6A88-1EE0-4515-9196-EF83DB471234}" type="pres">
-      <dgm:prSet presAssocID="{EAC56849-424B-462D-9FB9-5B19F369A47E}" presName="conn2-1" presStyleLbl="parChTrans1D2" presStyleIdx="3" presStyleCnt="4"/>
-      <dgm:spPr/>
       <dgm:t>
         <a:bodyPr/>
         <a:lstStyle/>
@@ -1270,40 +1262,6 @@
           <a:endParaRPr lang="ru-RU"/>
         </a:p>
       </dgm:t>
-    </dgm:pt>
-    <dgm:pt modelId="{8E33F552-86F7-4048-8335-BC3972289136}" type="pres">
-      <dgm:prSet presAssocID="{EAC56849-424B-462D-9FB9-5B19F369A47E}" presName="connTx" presStyleLbl="parChTrans1D2" presStyleIdx="3" presStyleCnt="4"/>
-      <dgm:spPr/>
-      <dgm:t>
-        <a:bodyPr/>
-        <a:lstStyle/>
-        <a:p>
-          <a:endParaRPr lang="ru-RU"/>
-        </a:p>
-      </dgm:t>
-    </dgm:pt>
-    <dgm:pt modelId="{B3A0A771-7006-4ADE-9360-8B446C8DAA86}" type="pres">
-      <dgm:prSet presAssocID="{01FA3CCF-6829-444B-8D9C-DB026FB09277}" presName="root2" presStyleCnt="0"/>
-      <dgm:spPr/>
-    </dgm:pt>
-    <dgm:pt modelId="{63008D82-F614-4E1F-9B6D-3B31DC360455}" type="pres">
-      <dgm:prSet presAssocID="{01FA3CCF-6829-444B-8D9C-DB026FB09277}" presName="LevelTwoTextNode" presStyleLbl="node2" presStyleIdx="3" presStyleCnt="4">
-        <dgm:presLayoutVars>
-          <dgm:chPref val="3"/>
-        </dgm:presLayoutVars>
-      </dgm:prSet>
-      <dgm:spPr/>
-      <dgm:t>
-        <a:bodyPr/>
-        <a:lstStyle/>
-        <a:p>
-          <a:endParaRPr lang="ru-RU"/>
-        </a:p>
-      </dgm:t>
-    </dgm:pt>
-    <dgm:pt modelId="{5BD05518-2869-4F39-8B4A-C2349C7429E7}" type="pres">
-      <dgm:prSet presAssocID="{01FA3CCF-6829-444B-8D9C-DB026FB09277}" presName="level3hierChild" presStyleCnt="0"/>
-      <dgm:spPr/>
     </dgm:pt>
   </dgm:ptLst>
   <dgm:cxnLst>
@@ -1313,11 +1271,8 @@
     <dgm:cxn modelId="{C2A558B3-7B70-4438-9A49-EF5B230BFDD4}" srcId="{72F7FB11-A069-4619-A3E1-59A4D2C06511}" destId="{D5F895BC-3BB1-4B83-BFD7-6E80D6E5D595}" srcOrd="1" destOrd="0" parTransId="{74B50908-D9F6-4654-8B6D-EB07E99D457A}" sibTransId="{8CE6E5BA-8CE0-4D76-B2EE-C89A091B15E4}"/>
     <dgm:cxn modelId="{4F0FFC7C-5084-435B-A270-D349DAB0E090}" type="presOf" srcId="{72F7FB11-A069-4619-A3E1-59A4D2C06511}" destId="{8D1F0EE0-53A4-4185-9E45-86777A2DDD3C}" srcOrd="0" destOrd="0" presId="urn:microsoft.com/office/officeart/2008/layout/HorizontalMultiLevelHierarchy"/>
     <dgm:cxn modelId="{D85B6E2D-0258-42E5-9CE3-21C7E6E342DA}" type="presOf" srcId="{6B67B3B4-053D-4A3D-9698-5936B1790EEE}" destId="{8697B7BB-5244-41A3-8240-8A6E2DD4C833}" srcOrd="0" destOrd="0" presId="urn:microsoft.com/office/officeart/2008/layout/HorizontalMultiLevelHierarchy"/>
-    <dgm:cxn modelId="{A16E7908-222D-457C-96E1-2F8B8C53B005}" type="presOf" srcId="{EAC56849-424B-462D-9FB9-5B19F369A47E}" destId="{090B6A88-1EE0-4515-9196-EF83DB471234}" srcOrd="0" destOrd="0" presId="urn:microsoft.com/office/officeart/2008/layout/HorizontalMultiLevelHierarchy"/>
     <dgm:cxn modelId="{DFB98F8D-E816-4AC2-ABFB-C02442F9CE21}" type="presOf" srcId="{D5F895BC-3BB1-4B83-BFD7-6E80D6E5D595}" destId="{FD14C90C-DF9E-434F-807D-6BDEBC857111}" srcOrd="0" destOrd="0" presId="urn:microsoft.com/office/officeart/2008/layout/HorizontalMultiLevelHierarchy"/>
-    <dgm:cxn modelId="{C209FDFC-C50C-4F46-9016-71ACA23BB987}" srcId="{72F7FB11-A069-4619-A3E1-59A4D2C06511}" destId="{01FA3CCF-6829-444B-8D9C-DB026FB09277}" srcOrd="3" destOrd="0" parTransId="{EAC56849-424B-462D-9FB9-5B19F369A47E}" sibTransId="{14454A58-F37F-493F-86ED-1956AFB40CA7}"/>
     <dgm:cxn modelId="{698AEFA5-66F5-4915-B16D-C748D70EC0C5}" type="presOf" srcId="{720C19F0-6DA9-466B-A174-CF6D63A8855B}" destId="{3A0114D2-4502-495C-BEE7-818CA431B35C}" srcOrd="1" destOrd="0" presId="urn:microsoft.com/office/officeart/2008/layout/HorizontalMultiLevelHierarchy"/>
-    <dgm:cxn modelId="{1D70385F-162C-4374-A30D-DB18DCEBD72A}" type="presOf" srcId="{EAC56849-424B-462D-9FB9-5B19F369A47E}" destId="{8E33F552-86F7-4048-8335-BC3972289136}" srcOrd="1" destOrd="0" presId="urn:microsoft.com/office/officeart/2008/layout/HorizontalMultiLevelHierarchy"/>
     <dgm:cxn modelId="{7D149260-44EA-42C9-8563-463727F410ED}" type="presOf" srcId="{6899AECE-B158-4387-9F50-F9E6DA24B36A}" destId="{30C54FC0-15B0-461C-8F18-05963FE2CD9A}" srcOrd="0" destOrd="0" presId="urn:microsoft.com/office/officeart/2008/layout/HorizontalMultiLevelHierarchy"/>
     <dgm:cxn modelId="{45DD271E-AC50-419A-A2BD-F373A603993A}" type="presOf" srcId="{3E261FD2-D92D-4BBD-8178-58551D957E43}" destId="{BD700069-A881-4806-9F0E-6BB73230E2C2}" srcOrd="0" destOrd="0" presId="urn:microsoft.com/office/officeart/2008/layout/HorizontalMultiLevelHierarchy"/>
     <dgm:cxn modelId="{C42394FE-DC99-4EA7-A9C2-21EC9BE542B6}" srcId="{72F7FB11-A069-4619-A3E1-59A4D2C06511}" destId="{6899AECE-B158-4387-9F50-F9E6DA24B36A}" srcOrd="2" destOrd="0" parTransId="{720C19F0-6DA9-466B-A174-CF6D63A8855B}" sibTransId="{1EDD980B-C8A6-4393-9433-DA783916B1FC}"/>
@@ -1325,7 +1280,6 @@
     <dgm:cxn modelId="{7DA116B8-1766-45ED-AE18-812AA53EAC0F}" type="presOf" srcId="{6B67B3B4-053D-4A3D-9698-5936B1790EEE}" destId="{DBDCBCF9-9E3B-4C4F-831E-CB051771496B}" srcOrd="1" destOrd="0" presId="urn:microsoft.com/office/officeart/2008/layout/HorizontalMultiLevelHierarchy"/>
     <dgm:cxn modelId="{9A6CF8A1-E1D1-4D41-AA08-A13671DB00B2}" srcId="{3E261FD2-D92D-4BBD-8178-58551D957E43}" destId="{72F7FB11-A069-4619-A3E1-59A4D2C06511}" srcOrd="0" destOrd="0" parTransId="{B8A9893B-6DA2-4D1D-860D-D0A2712F0A37}" sibTransId="{6220C2F5-9D4B-465B-8F6D-821C9FB8919F}"/>
     <dgm:cxn modelId="{16393137-C65E-4FD7-9380-E807366D8AFD}" type="presOf" srcId="{720C19F0-6DA9-466B-A174-CF6D63A8855B}" destId="{93E2886E-D6F9-4E52-8D50-52F05C4903BC}" srcOrd="0" destOrd="0" presId="urn:microsoft.com/office/officeart/2008/layout/HorizontalMultiLevelHierarchy"/>
-    <dgm:cxn modelId="{2246C03F-AC3F-41AE-8CEB-65A7EF4D93C5}" type="presOf" srcId="{01FA3CCF-6829-444B-8D9C-DB026FB09277}" destId="{63008D82-F614-4E1F-9B6D-3B31DC360455}" srcOrd="0" destOrd="0" presId="urn:microsoft.com/office/officeart/2008/layout/HorizontalMultiLevelHierarchy"/>
     <dgm:cxn modelId="{9F409D85-13D0-4390-AD25-F8FED22B68E4}" type="presParOf" srcId="{BD700069-A881-4806-9F0E-6BB73230E2C2}" destId="{1BF24BA1-1A56-49BC-9286-1EE9E799BEEC}" srcOrd="0" destOrd="0" presId="urn:microsoft.com/office/officeart/2008/layout/HorizontalMultiLevelHierarchy"/>
     <dgm:cxn modelId="{1753325A-43A6-4BC2-B618-30869D41D910}" type="presParOf" srcId="{1BF24BA1-1A56-49BC-9286-1EE9E799BEEC}" destId="{8D1F0EE0-53A4-4185-9E45-86777A2DDD3C}" srcOrd="0" destOrd="0" presId="urn:microsoft.com/office/officeart/2008/layout/HorizontalMultiLevelHierarchy"/>
     <dgm:cxn modelId="{338B845C-A633-495B-A802-6058284F2C1C}" type="presParOf" srcId="{1BF24BA1-1A56-49BC-9286-1EE9E799BEEC}" destId="{877C7888-42C1-43E8-B253-2AED52561C83}" srcOrd="1" destOrd="0" presId="urn:microsoft.com/office/officeart/2008/layout/HorizontalMultiLevelHierarchy"/>
@@ -1344,17 +1298,12 @@
     <dgm:cxn modelId="{1874DE5F-6B45-4592-851D-C83EAFDD4FE0}" type="presParOf" srcId="{877C7888-42C1-43E8-B253-2AED52561C83}" destId="{3D0278E0-B00E-4C7A-BEB0-47414D42F966}" srcOrd="5" destOrd="0" presId="urn:microsoft.com/office/officeart/2008/layout/HorizontalMultiLevelHierarchy"/>
     <dgm:cxn modelId="{496D053B-126A-445E-8439-69E90D1E318B}" type="presParOf" srcId="{3D0278E0-B00E-4C7A-BEB0-47414D42F966}" destId="{30C54FC0-15B0-461C-8F18-05963FE2CD9A}" srcOrd="0" destOrd="0" presId="urn:microsoft.com/office/officeart/2008/layout/HorizontalMultiLevelHierarchy"/>
     <dgm:cxn modelId="{81A91B32-037F-4C72-B977-FA776D191C5B}" type="presParOf" srcId="{3D0278E0-B00E-4C7A-BEB0-47414D42F966}" destId="{ACC5ABB6-8376-45D6-8405-B4A766F2BB73}" srcOrd="1" destOrd="0" presId="urn:microsoft.com/office/officeart/2008/layout/HorizontalMultiLevelHierarchy"/>
-    <dgm:cxn modelId="{090288B3-1DB6-40BB-A4A5-574CCC9E3B20}" type="presParOf" srcId="{877C7888-42C1-43E8-B253-2AED52561C83}" destId="{090B6A88-1EE0-4515-9196-EF83DB471234}" srcOrd="6" destOrd="0" presId="urn:microsoft.com/office/officeart/2008/layout/HorizontalMultiLevelHierarchy"/>
-    <dgm:cxn modelId="{383EB87C-5952-4D74-A6F9-83D7057190B8}" type="presParOf" srcId="{090B6A88-1EE0-4515-9196-EF83DB471234}" destId="{8E33F552-86F7-4048-8335-BC3972289136}" srcOrd="0" destOrd="0" presId="urn:microsoft.com/office/officeart/2008/layout/HorizontalMultiLevelHierarchy"/>
-    <dgm:cxn modelId="{CC14E2BF-9349-4D87-83D7-E53775F4E055}" type="presParOf" srcId="{877C7888-42C1-43E8-B253-2AED52561C83}" destId="{B3A0A771-7006-4ADE-9360-8B446C8DAA86}" srcOrd="7" destOrd="0" presId="urn:microsoft.com/office/officeart/2008/layout/HorizontalMultiLevelHierarchy"/>
-    <dgm:cxn modelId="{E93DD6CA-3432-4A05-AD16-99272135A639}" type="presParOf" srcId="{B3A0A771-7006-4ADE-9360-8B446C8DAA86}" destId="{63008D82-F614-4E1F-9B6D-3B31DC360455}" srcOrd="0" destOrd="0" presId="urn:microsoft.com/office/officeart/2008/layout/HorizontalMultiLevelHierarchy"/>
-    <dgm:cxn modelId="{2FA67096-A515-49BC-9539-23EF8F140F0A}" type="presParOf" srcId="{B3A0A771-7006-4ADE-9360-8B446C8DAA86}" destId="{5BD05518-2869-4F39-8B4A-C2349C7429E7}" srcOrd="1" destOrd="0" presId="urn:microsoft.com/office/officeart/2008/layout/HorizontalMultiLevelHierarchy"/>
   </dgm:cxnLst>
   <dgm:bg/>
   <dgm:whole/>
   <dgm:extLst>
     <a:ext uri="http://schemas.microsoft.com/office/drawing/2008/diagram">
-      <dsp:dataModelExt xmlns:dsp="http://schemas.microsoft.com/office/drawing/2008/diagram" relId="rId8" minVer="http://schemas.openxmlformats.org/drawingml/2006/diagram"/>
+      <dsp:dataModelExt xmlns:dsp="http://schemas.microsoft.com/office/drawing/2008/diagram" relId="rId7" minVer="http://schemas.openxmlformats.org/drawingml/2006/diagram"/>
     </a:ext>
   </dgm:extLst>
 </dgm:dataModel>
@@ -1368,7 +1317,7 @@
       <dsp:cNvGrpSpPr/>
     </dsp:nvGrpSpPr>
     <dsp:grpSpPr/>
-    <dsp:sp modelId="{090B6A88-1EE0-4515-9196-EF83DB471234}">
+    <dsp:sp modelId="{93E2886E-D6F9-4E52-8D50-52F05C4903BC}">
       <dsp:nvSpPr>
         <dsp:cNvPr id="0" name=""/>
         <dsp:cNvSpPr/>
@@ -1376,7 +1325,7 @@
       <dsp:spPr>
         <a:xfrm>
           <a:off x="812454" y="2011362"/>
-          <a:ext cx="501392" cy="1433095"/>
+          <a:ext cx="501392" cy="955397"/>
         </a:xfrm>
         <a:custGeom>
           <a:avLst/>
@@ -1393,10 +1342,10 @@
                 <a:pt x="250696" y="0"/>
               </a:lnTo>
               <a:lnTo>
-                <a:pt x="250696" y="1433095"/>
+                <a:pt x="250696" y="955397"/>
               </a:lnTo>
               <a:lnTo>
-                <a:pt x="501392" y="1433095"/>
+                <a:pt x="501392" y="955397"/>
               </a:lnTo>
             </a:path>
           </a:pathLst>
@@ -1415,6 +1364,15 @@
           <a:prstDash val="solid"/>
         </a:ln>
         <a:effectLst/>
+        <a:scene3d>
+          <a:camera prst="orthographicFront">
+            <a:rot lat="0" lon="0" rev="0"/>
+          </a:camera>
+          <a:lightRig rig="contrasting" dir="t">
+            <a:rot lat="0" lon="0" rev="1200000"/>
+          </a:lightRig>
+        </a:scene3d>
+        <a:sp3d z="-110000"/>
       </dsp:spPr>
       <dsp:style>
         <a:lnRef idx="2">
@@ -1449,19 +1407,19 @@
         </a:p>
       </dsp:txBody>
       <dsp:txXfrm>
-        <a:off x="1025193" y="2689953"/>
-        <a:ext cx="75913" cy="75913"/>
+        <a:off x="1036175" y="2462086"/>
+        <a:ext cx="53948" cy="53948"/>
       </dsp:txXfrm>
     </dsp:sp>
-    <dsp:sp modelId="{93E2886E-D6F9-4E52-8D50-52F05C4903BC}">
+    <dsp:sp modelId="{66D21E27-2C42-41CC-B7EF-07D8C893EF36}">
       <dsp:nvSpPr>
         <dsp:cNvPr id="0" name=""/>
         <dsp:cNvSpPr/>
       </dsp:nvSpPr>
       <dsp:spPr>
         <a:xfrm>
-          <a:off x="812454" y="2011362"/>
-          <a:ext cx="501392" cy="477698"/>
+          <a:off x="812454" y="1965642"/>
+          <a:ext cx="501392" cy="91440"/>
         </a:xfrm>
         <a:custGeom>
           <a:avLst/>
@@ -1472,16 +1430,10 @@
           <a:pathLst>
             <a:path>
               <a:moveTo>
-                <a:pt x="0" y="0"/>
+                <a:pt x="0" y="45720"/>
               </a:moveTo>
               <a:lnTo>
-                <a:pt x="250696" y="0"/>
-              </a:lnTo>
-              <a:lnTo>
-                <a:pt x="250696" y="477698"/>
-              </a:lnTo>
-              <a:lnTo>
-                <a:pt x="501392" y="477698"/>
+                <a:pt x="501392" y="45720"/>
               </a:lnTo>
             </a:path>
           </a:pathLst>
@@ -1500,6 +1452,15 @@
           <a:prstDash val="solid"/>
         </a:ln>
         <a:effectLst/>
+        <a:scene3d>
+          <a:camera prst="orthographicFront">
+            <a:rot lat="0" lon="0" rev="0"/>
+          </a:camera>
+          <a:lightRig rig="contrasting" dir="t">
+            <a:rot lat="0" lon="0" rev="1200000"/>
+          </a:lightRig>
+        </a:scene3d>
+        <a:sp3d z="-110000"/>
       </dsp:spPr>
       <dsp:style>
         <a:lnRef idx="2">
@@ -1534,19 +1495,19 @@
         </a:p>
       </dsp:txBody>
       <dsp:txXfrm>
-        <a:off x="1045837" y="2232898"/>
-        <a:ext cx="34626" cy="34626"/>
+        <a:off x="1050615" y="1998827"/>
+        <a:ext cx="25069" cy="25069"/>
       </dsp:txXfrm>
     </dsp:sp>
-    <dsp:sp modelId="{66D21E27-2C42-41CC-B7EF-07D8C893EF36}">
+    <dsp:sp modelId="{8697B7BB-5244-41A3-8240-8A6E2DD4C833}">
       <dsp:nvSpPr>
         <dsp:cNvPr id="0" name=""/>
         <dsp:cNvSpPr/>
       </dsp:nvSpPr>
       <dsp:spPr>
         <a:xfrm>
-          <a:off x="812454" y="1533663"/>
-          <a:ext cx="501392" cy="477698"/>
+          <a:off x="812454" y="1055965"/>
+          <a:ext cx="501392" cy="955397"/>
         </a:xfrm>
         <a:custGeom>
           <a:avLst/>
@@ -1557,10 +1518,10 @@
           <a:pathLst>
             <a:path>
               <a:moveTo>
-                <a:pt x="0" y="477698"/>
+                <a:pt x="0" y="955397"/>
               </a:moveTo>
               <a:lnTo>
-                <a:pt x="250696" y="477698"/>
+                <a:pt x="250696" y="955397"/>
               </a:lnTo>
               <a:lnTo>
                 <a:pt x="250696" y="0"/>
@@ -1585,6 +1546,15 @@
           <a:prstDash val="solid"/>
         </a:ln>
         <a:effectLst/>
+        <a:scene3d>
+          <a:camera prst="orthographicFront">
+            <a:rot lat="0" lon="0" rev="0"/>
+          </a:camera>
+          <a:lightRig rig="contrasting" dir="t">
+            <a:rot lat="0" lon="0" rev="1200000"/>
+          </a:lightRig>
+        </a:scene3d>
+        <a:sp3d z="-110000"/>
       </dsp:spPr>
       <dsp:style>
         <a:lnRef idx="2">
@@ -1619,93 +1589,8 @@
         </a:p>
       </dsp:txBody>
       <dsp:txXfrm>
-        <a:off x="1045837" y="1755200"/>
-        <a:ext cx="34626" cy="34626"/>
-      </dsp:txXfrm>
-    </dsp:sp>
-    <dsp:sp modelId="{8697B7BB-5244-41A3-8240-8A6E2DD4C833}">
-      <dsp:nvSpPr>
-        <dsp:cNvPr id="0" name=""/>
-        <dsp:cNvSpPr/>
-      </dsp:nvSpPr>
-      <dsp:spPr>
-        <a:xfrm>
-          <a:off x="812454" y="578266"/>
-          <a:ext cx="501392" cy="1433095"/>
-        </a:xfrm>
-        <a:custGeom>
-          <a:avLst/>
-          <a:gdLst/>
-          <a:ahLst/>
-          <a:cxnLst/>
-          <a:rect l="0" t="0" r="0" b="0"/>
-          <a:pathLst>
-            <a:path>
-              <a:moveTo>
-                <a:pt x="0" y="1433095"/>
-              </a:moveTo>
-              <a:lnTo>
-                <a:pt x="250696" y="1433095"/>
-              </a:lnTo>
-              <a:lnTo>
-                <a:pt x="250696" y="0"/>
-              </a:lnTo>
-              <a:lnTo>
-                <a:pt x="501392" y="0"/>
-              </a:lnTo>
-            </a:path>
-          </a:pathLst>
-        </a:custGeom>
-        <a:noFill/>
-        <a:ln w="15875" cap="flat" cmpd="sng" algn="ctr">
-          <a:solidFill>
-            <a:schemeClr val="accent4">
-              <a:shade val="60000"/>
-              <a:hueOff val="0"/>
-              <a:satOff val="0"/>
-              <a:lumOff val="0"/>
-              <a:alphaOff val="0"/>
-            </a:schemeClr>
-          </a:solidFill>
-          <a:prstDash val="solid"/>
-        </a:ln>
-        <a:effectLst/>
-      </dsp:spPr>
-      <dsp:style>
-        <a:lnRef idx="2">
-          <a:scrgbClr r="0" g="0" b="0"/>
-        </a:lnRef>
-        <a:fillRef idx="0">
-          <a:scrgbClr r="0" g="0" b="0"/>
-        </a:fillRef>
-        <a:effectRef idx="0">
-          <a:scrgbClr r="0" g="0" b="0"/>
-        </a:effectRef>
-        <a:fontRef idx="minor"/>
-      </dsp:style>
-      <dsp:txBody>
-        <a:bodyPr spcFirstLastPara="0" vert="horz" wrap="square" lIns="12700" tIns="0" rIns="12700" bIns="0" numCol="1" spcCol="1270" anchor="ctr" anchorCtr="0">
-          <a:noAutofit/>
-        </a:bodyPr>
-        <a:lstStyle/>
-        <a:p>
-          <a:pPr lvl="0" algn="ctr" defTabSz="222250">
-            <a:lnSpc>
-              <a:spcPct val="90000"/>
-            </a:lnSpc>
-            <a:spcBef>
-              <a:spcPct val="0"/>
-            </a:spcBef>
-            <a:spcAft>
-              <a:spcPct val="35000"/>
-            </a:spcAft>
-          </a:pPr>
-          <a:endParaRPr lang="ru-RU" sz="500" kern="1200"/>
-        </a:p>
-      </dsp:txBody>
-      <dsp:txXfrm>
-        <a:off x="1025193" y="1256857"/>
-        <a:ext cx="75913" cy="75913"/>
+        <a:off x="1036175" y="1506689"/>
+        <a:ext cx="53948" cy="53948"/>
       </dsp:txXfrm>
     </dsp:sp>
     <dsp:sp modelId="{8D1F0EE0-53A4-4185-9E45-86777A2DDD3C}">
@@ -1729,21 +1614,25 @@
             <a:alphaOff val="0"/>
           </a:schemeClr>
         </a:solidFill>
-        <a:ln w="25400" cap="flat" cmpd="sng" algn="ctr">
-          <a:solidFill>
-            <a:schemeClr val="lt1">
-              <a:hueOff val="0"/>
-              <a:satOff val="0"/>
-              <a:lumOff val="0"/>
-              <a:alphaOff val="0"/>
-            </a:schemeClr>
-          </a:solidFill>
-          <a:prstDash val="solid"/>
+        <a:ln>
+          <a:noFill/>
         </a:ln>
         <a:effectLst/>
+        <a:scene3d>
+          <a:camera prst="orthographicFront">
+            <a:rot lat="0" lon="0" rev="0"/>
+          </a:camera>
+          <a:lightRig rig="contrasting" dir="t">
+            <a:rot lat="0" lon="0" rev="1200000"/>
+          </a:lightRig>
+        </a:scene3d>
+        <a:sp3d contourW="19050" prstMaterial="metal">
+          <a:bevelT w="88900" h="203200"/>
+          <a:bevelB w="165100" h="254000"/>
+        </a:sp3d>
       </dsp:spPr>
       <dsp:style>
-        <a:lnRef idx="3">
+        <a:lnRef idx="0">
           <a:scrgbClr r="0" g="0" b="0"/>
         </a:lnRef>
         <a:fillRef idx="1">
@@ -1775,7 +1664,7 @@
           </a:pPr>
           <a:r>
             <a:rPr lang="en-US" sz="5000" kern="1200" dirty="0" err="1" smtClean="0"/>
-            <a:t>ChemPaint</a:t>
+            <a:t>Petoo</a:t>
           </a:r>
           <a:endParaRPr lang="ru-RU" sz="5000" kern="1200" dirty="0"/>
         </a:p>
@@ -1792,7 +1681,7 @@
       </dsp:nvSpPr>
       <dsp:spPr>
         <a:xfrm>
-          <a:off x="1313846" y="196107"/>
+          <a:off x="1313846" y="673806"/>
           <a:ext cx="2506962" cy="764317"/>
         </a:xfrm>
         <a:prstGeom prst="rect">
@@ -1806,21 +1695,25 @@
             <a:alphaOff val="0"/>
           </a:schemeClr>
         </a:solidFill>
-        <a:ln w="25400" cap="flat" cmpd="sng" algn="ctr">
-          <a:solidFill>
-            <a:schemeClr val="lt1">
-              <a:hueOff val="0"/>
-              <a:satOff val="0"/>
-              <a:lumOff val="0"/>
-              <a:alphaOff val="0"/>
-            </a:schemeClr>
-          </a:solidFill>
-          <a:prstDash val="solid"/>
+        <a:ln>
+          <a:noFill/>
         </a:ln>
         <a:effectLst/>
+        <a:scene3d>
+          <a:camera prst="orthographicFront">
+            <a:rot lat="0" lon="0" rev="0"/>
+          </a:camera>
+          <a:lightRig rig="contrasting" dir="t">
+            <a:rot lat="0" lon="0" rev="1200000"/>
+          </a:lightRig>
+        </a:scene3d>
+        <a:sp3d contourW="19050" prstMaterial="metal">
+          <a:bevelT w="88900" h="203200"/>
+          <a:bevelB w="165100" h="254000"/>
+        </a:sp3d>
       </dsp:spPr>
       <dsp:style>
-        <a:lnRef idx="3">
+        <a:lnRef idx="0">
           <a:scrgbClr r="0" g="0" b="0"/>
         </a:lnRef>
         <a:fillRef idx="1">
@@ -1834,12 +1727,12 @@
         </a:fontRef>
       </dsp:style>
       <dsp:txBody>
-        <a:bodyPr spcFirstLastPara="0" vert="horz" wrap="square" lIns="13970" tIns="13970" rIns="13970" bIns="13970" numCol="1" spcCol="1270" anchor="ctr" anchorCtr="0">
+        <a:bodyPr spcFirstLastPara="0" vert="horz" wrap="square" lIns="10795" tIns="10795" rIns="10795" bIns="10795" numCol="1" spcCol="1270" anchor="ctr" anchorCtr="0">
           <a:noAutofit/>
         </a:bodyPr>
         <a:lstStyle/>
         <a:p>
-          <a:pPr lvl="0" algn="ctr" defTabSz="977900">
+          <a:pPr lvl="0" algn="ctr" defTabSz="755650">
             <a:lnSpc>
               <a:spcPct val="90000"/>
             </a:lnSpc>
@@ -1851,30 +1744,14 @@
             </a:spcAft>
           </a:pPr>
           <a:r>
-            <a:rPr lang="uk-UA" sz="2200" kern="1200" dirty="0" err="1" smtClean="0"/>
-            <a:t>Создание</a:t>
+            <a:rPr lang="ru-RU" sz="1700" kern="1200" dirty="0" smtClean="0"/>
+            <a:t>Возможность регистрации новых пользователей</a:t>
           </a:r>
-          <a:r>
-            <a:rPr lang="uk-UA" sz="2200" kern="1200" dirty="0" smtClean="0"/>
-            <a:t> </a:t>
-          </a:r>
-          <a:r>
-            <a:rPr lang="uk-UA" sz="2200" kern="1200" dirty="0" err="1" smtClean="0"/>
-            <a:t>структурн</a:t>
-          </a:r>
-          <a:r>
-            <a:rPr lang="ru-RU" sz="2200" kern="1200" dirty="0" err="1" smtClean="0"/>
-            <a:t>ых</a:t>
-          </a:r>
-          <a:r>
-            <a:rPr lang="ru-RU" sz="2200" kern="1200" dirty="0" smtClean="0"/>
-            <a:t> формул</a:t>
-          </a:r>
-          <a:endParaRPr lang="ru-RU" sz="2200" kern="1200" dirty="0"/>
+          <a:endParaRPr lang="ru-RU" sz="1700" kern="1200" dirty="0"/>
         </a:p>
       </dsp:txBody>
       <dsp:txXfrm>
-        <a:off x="1313846" y="196107"/>
+        <a:off x="1313846" y="673806"/>
         <a:ext cx="2506962" cy="764317"/>
       </dsp:txXfrm>
     </dsp:sp>
@@ -1885,7 +1762,7 @@
       </dsp:nvSpPr>
       <dsp:spPr>
         <a:xfrm>
-          <a:off x="1313846" y="1151505"/>
+          <a:off x="1313846" y="1629203"/>
           <a:ext cx="2506962" cy="764317"/>
         </a:xfrm>
         <a:prstGeom prst="rect">
@@ -1899,21 +1776,25 @@
             <a:alphaOff val="0"/>
           </a:schemeClr>
         </a:solidFill>
-        <a:ln w="25400" cap="flat" cmpd="sng" algn="ctr">
-          <a:solidFill>
-            <a:schemeClr val="lt1">
-              <a:hueOff val="0"/>
-              <a:satOff val="0"/>
-              <a:lumOff val="0"/>
-              <a:alphaOff val="0"/>
-            </a:schemeClr>
-          </a:solidFill>
-          <a:prstDash val="solid"/>
+        <a:ln>
+          <a:noFill/>
         </a:ln>
         <a:effectLst/>
+        <a:scene3d>
+          <a:camera prst="orthographicFront">
+            <a:rot lat="0" lon="0" rev="0"/>
+          </a:camera>
+          <a:lightRig rig="contrasting" dir="t">
+            <a:rot lat="0" lon="0" rev="1200000"/>
+          </a:lightRig>
+        </a:scene3d>
+        <a:sp3d contourW="19050" prstMaterial="metal">
+          <a:bevelT w="88900" h="203200"/>
+          <a:bevelB w="165100" h="254000"/>
+        </a:sp3d>
       </dsp:spPr>
       <dsp:style>
-        <a:lnRef idx="3">
+        <a:lnRef idx="0">
           <a:scrgbClr r="0" g="0" b="0"/>
         </a:lnRef>
         <a:fillRef idx="1">
@@ -1927,12 +1808,12 @@
         </a:fontRef>
       </dsp:style>
       <dsp:txBody>
-        <a:bodyPr spcFirstLastPara="0" vert="horz" wrap="square" lIns="13970" tIns="13970" rIns="13970" bIns="13970" numCol="1" spcCol="1270" anchor="ctr" anchorCtr="0">
+        <a:bodyPr spcFirstLastPara="0" vert="horz" wrap="square" lIns="10795" tIns="10795" rIns="10795" bIns="10795" numCol="1" spcCol="1270" anchor="ctr" anchorCtr="0">
           <a:noAutofit/>
         </a:bodyPr>
         <a:lstStyle/>
         <a:p>
-          <a:pPr lvl="0" algn="ctr" defTabSz="977900">
+          <a:pPr lvl="0" algn="ctr" defTabSz="755650">
             <a:lnSpc>
               <a:spcPct val="90000"/>
             </a:lnSpc>
@@ -1944,14 +1825,14 @@
             </a:spcAft>
           </a:pPr>
           <a:r>
-            <a:rPr lang="ru-RU" sz="2200" kern="1200" dirty="0" smtClean="0"/>
-            <a:t>Периодическая система</a:t>
+            <a:rPr lang="ru-RU" sz="1700" kern="1200" dirty="0" smtClean="0"/>
+            <a:t>Функционал для общения</a:t>
           </a:r>
-          <a:endParaRPr lang="ru-RU" sz="2200" kern="1200" dirty="0"/>
+          <a:endParaRPr lang="ru-RU" sz="1700" kern="1200" dirty="0"/>
         </a:p>
       </dsp:txBody>
       <dsp:txXfrm>
-        <a:off x="1313846" y="1151505"/>
+        <a:off x="1313846" y="1629203"/>
         <a:ext cx="2506962" cy="764317"/>
       </dsp:txXfrm>
     </dsp:sp>
@@ -1962,7 +1843,7 @@
       </dsp:nvSpPr>
       <dsp:spPr>
         <a:xfrm>
-          <a:off x="1313846" y="2106902"/>
+          <a:off x="1313846" y="2584600"/>
           <a:ext cx="2506962" cy="764317"/>
         </a:xfrm>
         <a:prstGeom prst="rect">
@@ -1976,21 +1857,25 @@
             <a:alphaOff val="0"/>
           </a:schemeClr>
         </a:solidFill>
-        <a:ln w="25400" cap="flat" cmpd="sng" algn="ctr">
-          <a:solidFill>
-            <a:schemeClr val="lt1">
-              <a:hueOff val="0"/>
-              <a:satOff val="0"/>
-              <a:lumOff val="0"/>
-              <a:alphaOff val="0"/>
-            </a:schemeClr>
-          </a:solidFill>
-          <a:prstDash val="solid"/>
+        <a:ln>
+          <a:noFill/>
         </a:ln>
         <a:effectLst/>
+        <a:scene3d>
+          <a:camera prst="orthographicFront">
+            <a:rot lat="0" lon="0" rev="0"/>
+          </a:camera>
+          <a:lightRig rig="contrasting" dir="t">
+            <a:rot lat="0" lon="0" rev="1200000"/>
+          </a:lightRig>
+        </a:scene3d>
+        <a:sp3d contourW="19050" prstMaterial="metal">
+          <a:bevelT w="88900" h="203200"/>
+          <a:bevelB w="165100" h="254000"/>
+        </a:sp3d>
       </dsp:spPr>
       <dsp:style>
-        <a:lnRef idx="3">
+        <a:lnRef idx="0">
           <a:scrgbClr r="0" g="0" b="0"/>
         </a:lnRef>
         <a:fillRef idx="1">
@@ -2004,12 +1889,12 @@
         </a:fontRef>
       </dsp:style>
       <dsp:txBody>
-        <a:bodyPr spcFirstLastPara="0" vert="horz" wrap="square" lIns="13970" tIns="13970" rIns="13970" bIns="13970" numCol="1" spcCol="1270" anchor="ctr" anchorCtr="0">
+        <a:bodyPr spcFirstLastPara="0" vert="horz" wrap="square" lIns="10795" tIns="10795" rIns="10795" bIns="10795" numCol="1" spcCol="1270" anchor="ctr" anchorCtr="0">
           <a:noAutofit/>
         </a:bodyPr>
         <a:lstStyle/>
         <a:p>
-          <a:pPr lvl="0" algn="ctr" defTabSz="977900">
+          <a:pPr lvl="0" algn="ctr" defTabSz="755650">
             <a:lnSpc>
               <a:spcPct val="90000"/>
             </a:lnSpc>
@@ -2021,91 +1906,14 @@
             </a:spcAft>
           </a:pPr>
           <a:r>
-            <a:rPr lang="ru-RU" sz="2200" kern="1200" dirty="0" smtClean="0"/>
-            <a:t>Шаблоны</a:t>
+            <a:rPr lang="ru-RU" sz="1700" kern="1200" dirty="0" smtClean="0"/>
+            <a:t>Функционал для поиска пары животному</a:t>
           </a:r>
-          <a:endParaRPr lang="ru-RU" sz="2200" kern="1200" dirty="0"/>
+          <a:endParaRPr lang="ru-RU" sz="1700" kern="1200" dirty="0"/>
         </a:p>
       </dsp:txBody>
       <dsp:txXfrm>
-        <a:off x="1313846" y="2106902"/>
-        <a:ext cx="2506962" cy="764317"/>
-      </dsp:txXfrm>
-    </dsp:sp>
-    <dsp:sp modelId="{63008D82-F614-4E1F-9B6D-3B31DC360455}">
-      <dsp:nvSpPr>
-        <dsp:cNvPr id="0" name=""/>
-        <dsp:cNvSpPr/>
-      </dsp:nvSpPr>
-      <dsp:spPr>
-        <a:xfrm>
-          <a:off x="1313846" y="3062299"/>
-          <a:ext cx="2506962" cy="764317"/>
-        </a:xfrm>
-        <a:prstGeom prst="rect">
-          <a:avLst/>
-        </a:prstGeom>
-        <a:solidFill>
-          <a:schemeClr val="accent4">
-            <a:hueOff val="0"/>
-            <a:satOff val="0"/>
-            <a:lumOff val="0"/>
-            <a:alphaOff val="0"/>
-          </a:schemeClr>
-        </a:solidFill>
-        <a:ln w="25400" cap="flat" cmpd="sng" algn="ctr">
-          <a:solidFill>
-            <a:schemeClr val="lt1">
-              <a:hueOff val="0"/>
-              <a:satOff val="0"/>
-              <a:lumOff val="0"/>
-              <a:alphaOff val="0"/>
-            </a:schemeClr>
-          </a:solidFill>
-          <a:prstDash val="solid"/>
-        </a:ln>
-        <a:effectLst/>
-      </dsp:spPr>
-      <dsp:style>
-        <a:lnRef idx="3">
-          <a:scrgbClr r="0" g="0" b="0"/>
-        </a:lnRef>
-        <a:fillRef idx="1">
-          <a:scrgbClr r="0" g="0" b="0"/>
-        </a:fillRef>
-        <a:effectRef idx="1">
-          <a:scrgbClr r="0" g="0" b="0"/>
-        </a:effectRef>
-        <a:fontRef idx="minor">
-          <a:schemeClr val="lt1"/>
-        </a:fontRef>
-      </dsp:style>
-      <dsp:txBody>
-        <a:bodyPr spcFirstLastPara="0" vert="horz" wrap="square" lIns="13970" tIns="13970" rIns="13970" bIns="13970" numCol="1" spcCol="1270" anchor="ctr" anchorCtr="0">
-          <a:noAutofit/>
-        </a:bodyPr>
-        <a:lstStyle/>
-        <a:p>
-          <a:pPr lvl="0" algn="ctr" defTabSz="977900">
-            <a:lnSpc>
-              <a:spcPct val="90000"/>
-            </a:lnSpc>
-            <a:spcBef>
-              <a:spcPct val="0"/>
-            </a:spcBef>
-            <a:spcAft>
-              <a:spcPct val="35000"/>
-            </a:spcAft>
-          </a:pPr>
-          <a:r>
-            <a:rPr lang="ru-RU" sz="2200" kern="1200" dirty="0" smtClean="0"/>
-            <a:t>Пользовательские молекулы</a:t>
-          </a:r>
-          <a:endParaRPr lang="ru-RU" sz="2200" kern="1200" dirty="0"/>
-        </a:p>
-      </dsp:txBody>
-      <dsp:txXfrm>
-        <a:off x="1313846" y="3062299"/>
+        <a:off x="1313846" y="2584600"/>
         <a:ext cx="2506962" cy="764317"/>
       </dsp:txXfrm>
     </dsp:sp>
@@ -2437,11 +2245,11 @@
 </file>
 
 <file path=ppt/diagrams/quickStyle1.xml><?xml version="1.0" encoding="utf-8"?>
-<dgm:styleDef xmlns:dgm="http://schemas.openxmlformats.org/drawingml/2006/diagram" xmlns:a="http://schemas.openxmlformats.org/drawingml/2006/main" uniqueId="urn:microsoft.com/office/officeart/2005/8/quickstyle/simple2">
+<dgm:styleDef xmlns:dgm="http://schemas.openxmlformats.org/drawingml/2006/diagram" xmlns:a="http://schemas.openxmlformats.org/drawingml/2006/main" uniqueId="urn:microsoft.com/office/officeart/2005/8/quickstyle/3d3">
   <dgm:title val=""/>
   <dgm:desc val=""/>
   <dgm:catLst>
-    <dgm:cat type="simple" pri="10200"/>
+    <dgm:cat type="3D" pri="11300"/>
   </dgm:catLst>
   <dgm:scene3d>
     <a:camera prst="orthographicFront"/>
@@ -2449,13 +2257,20 @@
   </dgm:scene3d>
   <dgm:styleLbl name="node0">
     <dgm:scene3d>
-      <a:camera prst="orthographicFront"/>
-      <a:lightRig rig="threePt" dir="t"/>
+      <a:camera prst="orthographicFront">
+        <a:rot lat="0" lon="0" rev="0"/>
+      </a:camera>
+      <a:lightRig rig="contrasting" dir="t">
+        <a:rot lat="0" lon="0" rev="1200000"/>
+      </a:lightRig>
     </dgm:scene3d>
-    <dgm:sp3d/>
+    <dgm:sp3d contourW="19050" prstMaterial="metal">
+      <a:bevelT w="88900" h="203200"/>
+      <a:bevelB w="165100" h="254000"/>
+    </dgm:sp3d>
     <dgm:txPr/>
     <dgm:style>
-      <a:lnRef idx="3">
+      <a:lnRef idx="0">
         <a:scrgbClr r="0" g="0" b="0"/>
       </a:lnRef>
       <a:fillRef idx="1">
@@ -2471,13 +2286,20 @@
   </dgm:styleLbl>
   <dgm:styleLbl name="lnNode1">
     <dgm:scene3d>
-      <a:camera prst="orthographicFront"/>
-      <a:lightRig rig="threePt" dir="t"/>
+      <a:camera prst="orthographicFront">
+        <a:rot lat="0" lon="0" rev="0"/>
+      </a:camera>
+      <a:lightRig rig="contrasting" dir="t">
+        <a:rot lat="0" lon="0" rev="1200000"/>
+      </a:lightRig>
     </dgm:scene3d>
-    <dgm:sp3d/>
+    <dgm:sp3d contourW="19050" prstMaterial="metal">
+      <a:bevelT w="88900" h="203200"/>
+      <a:bevelB w="165100" h="254000"/>
+    </dgm:sp3d>
     <dgm:txPr/>
     <dgm:style>
-      <a:lnRef idx="3">
+      <a:lnRef idx="0">
         <a:scrgbClr r="0" g="0" b="0"/>
       </a:lnRef>
       <a:fillRef idx="1">
@@ -2493,13 +2315,20 @@
   </dgm:styleLbl>
   <dgm:styleLbl name="vennNode1">
     <dgm:scene3d>
-      <a:camera prst="orthographicFront"/>
-      <a:lightRig rig="threePt" dir="t"/>
+      <a:camera prst="orthographicFront">
+        <a:rot lat="0" lon="0" rev="0"/>
+      </a:camera>
+      <a:lightRig rig="contrasting" dir="t">
+        <a:rot lat="0" lon="0" rev="1200000"/>
+      </a:lightRig>
     </dgm:scene3d>
-    <dgm:sp3d/>
+    <dgm:sp3d contourW="12700" prstMaterial="clear">
+      <a:bevelT w="177800" h="254000"/>
+      <a:bevelB w="152400"/>
+    </dgm:sp3d>
     <dgm:txPr/>
     <dgm:style>
-      <a:lnRef idx="3">
+      <a:lnRef idx="0">
         <a:scrgbClr r="0" g="0" b="0"/>
       </a:lnRef>
       <a:fillRef idx="1">
@@ -2515,19 +2344,26 @@
   </dgm:styleLbl>
   <dgm:styleLbl name="alignNode1">
     <dgm:scene3d>
-      <a:camera prst="orthographicFront"/>
-      <a:lightRig rig="threePt" dir="t"/>
+      <a:camera prst="orthographicFront">
+        <a:rot lat="0" lon="0" rev="0"/>
+      </a:camera>
+      <a:lightRig rig="contrasting" dir="t">
+        <a:rot lat="0" lon="0" rev="1200000"/>
+      </a:lightRig>
     </dgm:scene3d>
-    <dgm:sp3d/>
+    <dgm:sp3d contourW="19050" prstMaterial="metal">
+      <a:bevelT w="88900" h="203200"/>
+      <a:bevelB w="165100" h="254000"/>
+    </dgm:sp3d>
     <dgm:txPr/>
     <dgm:style>
-      <a:lnRef idx="2">
+      <a:lnRef idx="0">
         <a:scrgbClr r="0" g="0" b="0"/>
       </a:lnRef>
       <a:fillRef idx="1">
         <a:scrgbClr r="0" g="0" b="0"/>
       </a:fillRef>
-      <a:effectRef idx="1">
+      <a:effectRef idx="2">
         <a:scrgbClr r="0" g="0" b="0"/>
       </a:effectRef>
       <a:fontRef idx="minor">
@@ -2537,19 +2373,26 @@
   </dgm:styleLbl>
   <dgm:styleLbl name="node1">
     <dgm:scene3d>
-      <a:camera prst="orthographicFront"/>
-      <a:lightRig rig="threePt" dir="t"/>
+      <a:camera prst="orthographicFront">
+        <a:rot lat="0" lon="0" rev="0"/>
+      </a:camera>
+      <a:lightRig rig="contrasting" dir="t">
+        <a:rot lat="0" lon="0" rev="1200000"/>
+      </a:lightRig>
     </dgm:scene3d>
-    <dgm:sp3d/>
+    <dgm:sp3d contourW="19050" prstMaterial="metal">
+      <a:bevelT w="88900" h="203200"/>
+      <a:bevelB w="165100" h="254000"/>
+    </dgm:sp3d>
     <dgm:txPr/>
     <dgm:style>
-      <a:lnRef idx="3">
+      <a:lnRef idx="0">
         <a:scrgbClr r="0" g="0" b="0"/>
       </a:lnRef>
       <a:fillRef idx="1">
         <a:scrgbClr r="0" g="0" b="0"/>
       </a:fillRef>
-      <a:effectRef idx="1">
+      <a:effectRef idx="2">
         <a:scrgbClr r="0" g="0" b="0"/>
       </a:effectRef>
       <a:fontRef idx="minor">
@@ -2559,13 +2402,20 @@
   </dgm:styleLbl>
   <dgm:styleLbl name="node2">
     <dgm:scene3d>
-      <a:camera prst="orthographicFront"/>
-      <a:lightRig rig="threePt" dir="t"/>
+      <a:camera prst="orthographicFront">
+        <a:rot lat="0" lon="0" rev="0"/>
+      </a:camera>
+      <a:lightRig rig="contrasting" dir="t">
+        <a:rot lat="0" lon="0" rev="1200000"/>
+      </a:lightRig>
     </dgm:scene3d>
-    <dgm:sp3d/>
+    <dgm:sp3d contourW="19050" prstMaterial="metal">
+      <a:bevelT w="88900" h="203200"/>
+      <a:bevelB w="165100" h="254000"/>
+    </dgm:sp3d>
     <dgm:txPr/>
     <dgm:style>
-      <a:lnRef idx="3">
+      <a:lnRef idx="0">
         <a:scrgbClr r="0" g="0" b="0"/>
       </a:lnRef>
       <a:fillRef idx="1">
@@ -2581,13 +2431,20 @@
   </dgm:styleLbl>
   <dgm:styleLbl name="node3">
     <dgm:scene3d>
-      <a:camera prst="orthographicFront"/>
-      <a:lightRig rig="threePt" dir="t"/>
+      <a:camera prst="orthographicFront">
+        <a:rot lat="0" lon="0" rev="0"/>
+      </a:camera>
+      <a:lightRig rig="contrasting" dir="t">
+        <a:rot lat="0" lon="0" rev="1200000"/>
+      </a:lightRig>
     </dgm:scene3d>
-    <dgm:sp3d/>
+    <dgm:sp3d contourW="19050" prstMaterial="metal">
+      <a:bevelT w="88900" h="203200"/>
+      <a:bevelB w="165100" h="254000"/>
+    </dgm:sp3d>
     <dgm:txPr/>
     <dgm:style>
-      <a:lnRef idx="3">
+      <a:lnRef idx="0">
         <a:scrgbClr r="0" g="0" b="0"/>
       </a:lnRef>
       <a:fillRef idx="1">
@@ -2603,13 +2460,20 @@
   </dgm:styleLbl>
   <dgm:styleLbl name="node4">
     <dgm:scene3d>
-      <a:camera prst="orthographicFront"/>
-      <a:lightRig rig="threePt" dir="t"/>
+      <a:camera prst="orthographicFront">
+        <a:rot lat="0" lon="0" rev="0"/>
+      </a:camera>
+      <a:lightRig rig="contrasting" dir="t">
+        <a:rot lat="0" lon="0" rev="1200000"/>
+      </a:lightRig>
     </dgm:scene3d>
-    <dgm:sp3d/>
+    <dgm:sp3d contourW="19050" prstMaterial="metal">
+      <a:bevelT w="88900" h="203200"/>
+      <a:bevelB w="165100" h="254000"/>
+    </dgm:sp3d>
     <dgm:txPr/>
     <dgm:style>
-      <a:lnRef idx="3">
+      <a:lnRef idx="0">
         <a:scrgbClr r="0" g="0" b="0"/>
       </a:lnRef>
       <a:fillRef idx="1">
@@ -2625,13 +2489,20 @@
   </dgm:styleLbl>
   <dgm:styleLbl name="fgImgPlace1">
     <dgm:scene3d>
-      <a:camera prst="orthographicFront"/>
-      <a:lightRig rig="threePt" dir="t"/>
+      <a:camera prst="orthographicFront">
+        <a:rot lat="0" lon="0" rev="0"/>
+      </a:camera>
+      <a:lightRig rig="contrasting" dir="t">
+        <a:rot lat="0" lon="0" rev="1200000"/>
+      </a:lightRig>
     </dgm:scene3d>
-    <dgm:sp3d/>
+    <dgm:sp3d z="300000" contourW="19050" prstMaterial="metal">
+      <a:bevelT w="88900" h="203200"/>
+      <a:bevelB w="165100" h="254000"/>
+    </dgm:sp3d>
     <dgm:txPr/>
     <dgm:style>
-      <a:lnRef idx="3">
+      <a:lnRef idx="0">
         <a:scrgbClr r="0" g="0" b="0"/>
       </a:lnRef>
       <a:fillRef idx="1">
@@ -2645,13 +2516,20 @@
   </dgm:styleLbl>
   <dgm:styleLbl name="alignImgPlace1">
     <dgm:scene3d>
-      <a:camera prst="orthographicFront"/>
-      <a:lightRig rig="threePt" dir="t"/>
+      <a:camera prst="orthographicFront">
+        <a:rot lat="0" lon="0" rev="0"/>
+      </a:camera>
+      <a:lightRig rig="contrasting" dir="t">
+        <a:rot lat="0" lon="0" rev="1200000"/>
+      </a:lightRig>
     </dgm:scene3d>
-    <dgm:sp3d/>
+    <dgm:sp3d contourW="12700" prstMaterial="flat">
+      <a:bevelT w="177800" h="254000"/>
+      <a:bevelB w="152400"/>
+    </dgm:sp3d>
     <dgm:txPr/>
     <dgm:style>
-      <a:lnRef idx="3">
+      <a:lnRef idx="0">
         <a:scrgbClr r="0" g="0" b="0"/>
       </a:lnRef>
       <a:fillRef idx="1">
@@ -2665,13 +2543,20 @@
   </dgm:styleLbl>
   <dgm:styleLbl name="bgImgPlace1">
     <dgm:scene3d>
-      <a:camera prst="orthographicFront"/>
-      <a:lightRig rig="threePt" dir="t"/>
+      <a:camera prst="orthographicFront">
+        <a:rot lat="0" lon="0" rev="0"/>
+      </a:camera>
+      <a:lightRig rig="contrasting" dir="t">
+        <a:rot lat="0" lon="0" rev="1200000"/>
+      </a:lightRig>
     </dgm:scene3d>
-    <dgm:sp3d/>
+    <dgm:sp3d z="-300000" contourW="19050" prstMaterial="metal">
+      <a:bevelT w="88900" h="203200"/>
+      <a:bevelB w="165100" h="254000"/>
+    </dgm:sp3d>
     <dgm:txPr/>
     <dgm:style>
-      <a:lnRef idx="3">
+      <a:lnRef idx="0">
         <a:scrgbClr r="0" g="0" b="0"/>
       </a:lnRef>
       <a:fillRef idx="1">
@@ -2685,10 +2570,17 @@
   </dgm:styleLbl>
   <dgm:styleLbl name="sibTrans2D1">
     <dgm:scene3d>
-      <a:camera prst="orthographicFront"/>
-      <a:lightRig rig="threePt" dir="t"/>
+      <a:camera prst="orthographicFront">
+        <a:rot lat="0" lon="0" rev="0"/>
+      </a:camera>
+      <a:lightRig rig="contrasting" dir="t">
+        <a:rot lat="0" lon="0" rev="1200000"/>
+      </a:lightRig>
     </dgm:scene3d>
-    <dgm:sp3d/>
+    <dgm:sp3d z="-182000" contourW="19050" prstMaterial="metal">
+      <a:bevelT w="88900" h="203200"/>
+      <a:bevelB w="165100" h="254000"/>
+    </dgm:sp3d>
     <dgm:txPr/>
     <dgm:style>
       <a:lnRef idx="0">
@@ -2697,7 +2589,7 @@
       <a:fillRef idx="1">
         <a:scrgbClr r="0" g="0" b="0"/>
       </a:fillRef>
-      <a:effectRef idx="1">
+      <a:effectRef idx="0">
         <a:scrgbClr r="0" g="0" b="0"/>
       </a:effectRef>
       <a:fontRef idx="minor">
@@ -2707,10 +2599,17 @@
   </dgm:styleLbl>
   <dgm:styleLbl name="fgSibTrans2D1">
     <dgm:scene3d>
-      <a:camera prst="orthographicFront"/>
-      <a:lightRig rig="threePt" dir="t"/>
+      <a:camera prst="orthographicFront">
+        <a:rot lat="0" lon="0" rev="0"/>
+      </a:camera>
+      <a:lightRig rig="contrasting" dir="t">
+        <a:rot lat="0" lon="0" rev="1200000"/>
+      </a:lightRig>
     </dgm:scene3d>
-    <dgm:sp3d/>
+    <dgm:sp3d z="300000" contourW="19050" prstMaterial="metal">
+      <a:bevelT w="88900" h="203200"/>
+      <a:bevelB w="165100" h="254000"/>
+    </dgm:sp3d>
     <dgm:txPr/>
     <dgm:style>
       <a:lnRef idx="0">
@@ -2719,20 +2618,25 @@
       <a:fillRef idx="1">
         <a:scrgbClr r="0" g="0" b="0"/>
       </a:fillRef>
-      <a:effectRef idx="1">
+      <a:effectRef idx="0">
         <a:scrgbClr r="0" g="0" b="0"/>
       </a:effectRef>
-      <a:fontRef idx="minor">
-        <a:schemeClr val="lt1"/>
-      </a:fontRef>
+      <a:fontRef idx="minor"/>
     </dgm:style>
   </dgm:styleLbl>
   <dgm:styleLbl name="bgSibTrans2D1">
     <dgm:scene3d>
-      <a:camera prst="orthographicFront"/>
-      <a:lightRig rig="threePt" dir="t"/>
+      <a:camera prst="orthographicFront">
+        <a:rot lat="0" lon="0" rev="0"/>
+      </a:camera>
+      <a:lightRig rig="contrasting" dir="t">
+        <a:rot lat="0" lon="0" rev="1200000"/>
+      </a:lightRig>
     </dgm:scene3d>
-    <dgm:sp3d/>
+    <dgm:sp3d z="-300000" contourW="19050" prstMaterial="metal">
+      <a:bevelT w="88900" h="203200"/>
+      <a:bevelB w="165100" h="254000"/>
+    </dgm:sp3d>
     <dgm:txPr/>
     <dgm:style>
       <a:lnRef idx="0">
@@ -2741,20 +2645,22 @@
       <a:fillRef idx="1">
         <a:scrgbClr r="0" g="0" b="0"/>
       </a:fillRef>
-      <a:effectRef idx="1">
+      <a:effectRef idx="0">
         <a:scrgbClr r="0" g="0" b="0"/>
       </a:effectRef>
-      <a:fontRef idx="minor">
-        <a:schemeClr val="lt1"/>
-      </a:fontRef>
+      <a:fontRef idx="minor"/>
     </dgm:style>
   </dgm:styleLbl>
   <dgm:styleLbl name="sibTrans1D1">
     <dgm:scene3d>
-      <a:camera prst="orthographicFront"/>
-      <a:lightRig rig="threePt" dir="t"/>
+      <a:camera prst="orthographicFront">
+        <a:rot lat="0" lon="0" rev="0"/>
+      </a:camera>
+      <a:lightRig rig="contrasting" dir="t">
+        <a:rot lat="0" lon="0" rev="1200000"/>
+      </a:lightRig>
     </dgm:scene3d>
-    <dgm:sp3d/>
+    <dgm:sp3d z="-110000"/>
     <dgm:txPr/>
     <dgm:style>
       <a:lnRef idx="1">
@@ -2771,10 +2677,14 @@
   </dgm:styleLbl>
   <dgm:styleLbl name="callout">
     <dgm:scene3d>
-      <a:camera prst="orthographicFront"/>
-      <a:lightRig rig="threePt" dir="t"/>
+      <a:camera prst="orthographicFront">
+        <a:rot lat="0" lon="0" rev="0"/>
+      </a:camera>
+      <a:lightRig rig="contrasting" dir="t">
+        <a:rot lat="0" lon="0" rev="1200000"/>
+      </a:lightRig>
     </dgm:scene3d>
-    <dgm:sp3d/>
+    <dgm:sp3d z="10000"/>
     <dgm:txPr/>
     <dgm:style>
       <a:lnRef idx="2">
@@ -2783,7 +2693,7 @@
       <a:fillRef idx="1">
         <a:scrgbClr r="0" g="0" b="0"/>
       </a:fillRef>
-      <a:effectRef idx="1">
+      <a:effectRef idx="0">
         <a:scrgbClr r="0" g="0" b="0"/>
       </a:effectRef>
       <a:fontRef idx="minor"/>
@@ -2791,13 +2701,20 @@
   </dgm:styleLbl>
   <dgm:styleLbl name="asst0">
     <dgm:scene3d>
-      <a:camera prst="orthographicFront"/>
-      <a:lightRig rig="threePt" dir="t"/>
+      <a:camera prst="orthographicFront">
+        <a:rot lat="0" lon="0" rev="0"/>
+      </a:camera>
+      <a:lightRig rig="contrasting" dir="t">
+        <a:rot lat="0" lon="0" rev="1200000"/>
+      </a:lightRig>
     </dgm:scene3d>
-    <dgm:sp3d/>
+    <dgm:sp3d contourW="19050" prstMaterial="metal">
+      <a:bevelT w="88900" h="203200"/>
+      <a:bevelB w="165100" h="254000"/>
+    </dgm:sp3d>
     <dgm:txPr/>
     <dgm:style>
-      <a:lnRef idx="3">
+      <a:lnRef idx="0">
         <a:scrgbClr r="0" g="0" b="0"/>
       </a:lnRef>
       <a:fillRef idx="1">
@@ -2813,13 +2730,20 @@
   </dgm:styleLbl>
   <dgm:styleLbl name="asst1">
     <dgm:scene3d>
-      <a:camera prst="orthographicFront"/>
-      <a:lightRig rig="threePt" dir="t"/>
+      <a:camera prst="orthographicFront">
+        <a:rot lat="0" lon="0" rev="0"/>
+      </a:camera>
+      <a:lightRig rig="contrasting" dir="t">
+        <a:rot lat="0" lon="0" rev="1200000"/>
+      </a:lightRig>
     </dgm:scene3d>
-    <dgm:sp3d/>
+    <dgm:sp3d contourW="19050" prstMaterial="metal">
+      <a:bevelT w="88900" h="203200"/>
+      <a:bevelB w="165100" h="254000"/>
+    </dgm:sp3d>
     <dgm:txPr/>
     <dgm:style>
-      <a:lnRef idx="3">
+      <a:lnRef idx="0">
         <a:scrgbClr r="0" g="0" b="0"/>
       </a:lnRef>
       <a:fillRef idx="1">
@@ -2835,13 +2759,20 @@
   </dgm:styleLbl>
   <dgm:styleLbl name="asst2">
     <dgm:scene3d>
-      <a:camera prst="orthographicFront"/>
-      <a:lightRig rig="threePt" dir="t"/>
+      <a:camera prst="orthographicFront">
+        <a:rot lat="0" lon="0" rev="0"/>
+      </a:camera>
+      <a:lightRig rig="contrasting" dir="t">
+        <a:rot lat="0" lon="0" rev="1200000"/>
+      </a:lightRig>
     </dgm:scene3d>
-    <dgm:sp3d/>
+    <dgm:sp3d contourW="19050" prstMaterial="metal">
+      <a:bevelT w="88900" h="203200"/>
+      <a:bevelB w="165100" h="254000"/>
+    </dgm:sp3d>
     <dgm:txPr/>
     <dgm:style>
-      <a:lnRef idx="3">
+      <a:lnRef idx="0">
         <a:scrgbClr r="0" g="0" b="0"/>
       </a:lnRef>
       <a:fillRef idx="1">
@@ -2857,13 +2788,20 @@
   </dgm:styleLbl>
   <dgm:styleLbl name="asst3">
     <dgm:scene3d>
-      <a:camera prst="orthographicFront"/>
-      <a:lightRig rig="threePt" dir="t"/>
+      <a:camera prst="orthographicFront">
+        <a:rot lat="0" lon="0" rev="0"/>
+      </a:camera>
+      <a:lightRig rig="contrasting" dir="t">
+        <a:rot lat="0" lon="0" rev="1200000"/>
+      </a:lightRig>
     </dgm:scene3d>
-    <dgm:sp3d/>
+    <dgm:sp3d contourW="19050" prstMaterial="metal">
+      <a:bevelT w="88900" h="203200"/>
+      <a:bevelB w="165100" h="254000"/>
+    </dgm:sp3d>
     <dgm:txPr/>
     <dgm:style>
-      <a:lnRef idx="3">
+      <a:lnRef idx="0">
         <a:scrgbClr r="0" g="0" b="0"/>
       </a:lnRef>
       <a:fillRef idx="1">
@@ -2882,10 +2820,13 @@
       <a:camera prst="orthographicFront"/>
       <a:lightRig rig="threePt" dir="t"/>
     </dgm:scene3d>
-    <dgm:sp3d/>
+    <dgm:sp3d contourW="19050" prstMaterial="metal">
+      <a:bevelT w="88900" h="203200"/>
+      <a:bevelB w="165100" h="254000"/>
+    </dgm:sp3d>
     <dgm:txPr/>
     <dgm:style>
-      <a:lnRef idx="3">
+      <a:lnRef idx="0">
         <a:scrgbClr r="0" g="0" b="0"/>
       </a:lnRef>
       <a:fillRef idx="1">
@@ -2901,98 +2842,122 @@
   </dgm:styleLbl>
   <dgm:styleLbl name="parChTrans2D1">
     <dgm:scene3d>
-      <a:camera prst="orthographicFront"/>
-      <a:lightRig rig="threePt" dir="t"/>
+      <a:camera prst="orthographicFront">
+        <a:rot lat="0" lon="0" rev="0"/>
+      </a:camera>
+      <a:lightRig rig="contrasting" dir="t">
+        <a:rot lat="0" lon="0" rev="1200000"/>
+      </a:lightRig>
     </dgm:scene3d>
-    <dgm:sp3d/>
+    <dgm:sp3d contourW="19050" prstMaterial="metal">
+      <a:bevelT w="88900" h="203200"/>
+      <a:bevelB w="165100" h="254000"/>
+    </dgm:sp3d>
     <dgm:txPr/>
     <dgm:style>
-      <a:lnRef idx="3">
+      <a:lnRef idx="0">
         <a:scrgbClr r="0" g="0" b="0"/>
       </a:lnRef>
       <a:fillRef idx="1">
         <a:scrgbClr r="0" g="0" b="0"/>
       </a:fillRef>
-      <a:effectRef idx="1">
+      <a:effectRef idx="0">
         <a:scrgbClr r="0" g="0" b="0"/>
       </a:effectRef>
-      <a:fontRef idx="minor">
-        <a:schemeClr val="lt1"/>
-      </a:fontRef>
+      <a:fontRef idx="minor"/>
     </dgm:style>
   </dgm:styleLbl>
   <dgm:styleLbl name="parChTrans2D2">
     <dgm:scene3d>
-      <a:camera prst="orthographicFront"/>
-      <a:lightRig rig="threePt" dir="t"/>
+      <a:camera prst="orthographicFront">
+        <a:rot lat="0" lon="0" rev="0"/>
+      </a:camera>
+      <a:lightRig rig="contrasting" dir="t">
+        <a:rot lat="0" lon="0" rev="1200000"/>
+      </a:lightRig>
     </dgm:scene3d>
-    <dgm:sp3d/>
+    <dgm:sp3d contourW="19050" prstMaterial="metal">
+      <a:bevelT w="88900" h="203200"/>
+      <a:bevelB w="165100" h="254000"/>
+    </dgm:sp3d>
     <dgm:txPr/>
     <dgm:style>
-      <a:lnRef idx="3">
+      <a:lnRef idx="0">
         <a:scrgbClr r="0" g="0" b="0"/>
       </a:lnRef>
       <a:fillRef idx="1">
         <a:scrgbClr r="0" g="0" b="0"/>
       </a:fillRef>
-      <a:effectRef idx="1">
+      <a:effectRef idx="0">
         <a:scrgbClr r="0" g="0" b="0"/>
       </a:effectRef>
-      <a:fontRef idx="minor">
-        <a:schemeClr val="lt1"/>
-      </a:fontRef>
+      <a:fontRef idx="minor"/>
     </dgm:style>
   </dgm:styleLbl>
   <dgm:styleLbl name="parChTrans2D3">
     <dgm:scene3d>
-      <a:camera prst="orthographicFront"/>
-      <a:lightRig rig="threePt" dir="t"/>
+      <a:camera prst="orthographicFront">
+        <a:rot lat="0" lon="0" rev="0"/>
+      </a:camera>
+      <a:lightRig rig="contrasting" dir="t">
+        <a:rot lat="0" lon="0" rev="1200000"/>
+      </a:lightRig>
     </dgm:scene3d>
-    <dgm:sp3d/>
+    <dgm:sp3d contourW="19050" prstMaterial="metal">
+      <a:bevelT w="88900" h="203200"/>
+      <a:bevelB w="165100" h="254000"/>
+    </dgm:sp3d>
     <dgm:txPr/>
     <dgm:style>
-      <a:lnRef idx="3">
+      <a:lnRef idx="0">
         <a:scrgbClr r="0" g="0" b="0"/>
       </a:lnRef>
       <a:fillRef idx="1">
         <a:scrgbClr r="0" g="0" b="0"/>
       </a:fillRef>
-      <a:effectRef idx="1">
+      <a:effectRef idx="0">
         <a:scrgbClr r="0" g="0" b="0"/>
       </a:effectRef>
-      <a:fontRef idx="minor">
-        <a:schemeClr val="lt1"/>
-      </a:fontRef>
+      <a:fontRef idx="minor"/>
     </dgm:style>
   </dgm:styleLbl>
   <dgm:styleLbl name="parChTrans2D4">
     <dgm:scene3d>
-      <a:camera prst="orthographicFront"/>
-      <a:lightRig rig="threePt" dir="t"/>
+      <a:camera prst="orthographicFront">
+        <a:rot lat="0" lon="0" rev="0"/>
+      </a:camera>
+      <a:lightRig rig="contrasting" dir="t">
+        <a:rot lat="0" lon="0" rev="1200000"/>
+      </a:lightRig>
     </dgm:scene3d>
-    <dgm:sp3d/>
+    <dgm:sp3d contourW="19050" prstMaterial="metal">
+      <a:bevelT w="88900" h="203200"/>
+      <a:bevelB w="165100" h="254000"/>
+    </dgm:sp3d>
     <dgm:txPr/>
     <dgm:style>
-      <a:lnRef idx="3">
+      <a:lnRef idx="0">
         <a:scrgbClr r="0" g="0" b="0"/>
       </a:lnRef>
       <a:fillRef idx="1">
         <a:scrgbClr r="0" g="0" b="0"/>
       </a:fillRef>
-      <a:effectRef idx="1">
+      <a:effectRef idx="0">
         <a:scrgbClr r="0" g="0" b="0"/>
       </a:effectRef>
-      <a:fontRef idx="minor">
-        <a:schemeClr val="lt1"/>
-      </a:fontRef>
+      <a:fontRef idx="minor"/>
     </dgm:style>
   </dgm:styleLbl>
   <dgm:styleLbl name="parChTrans1D1">
     <dgm:scene3d>
-      <a:camera prst="orthographicFront"/>
-      <a:lightRig rig="threePt" dir="t"/>
+      <a:camera prst="orthographicFront">
+        <a:rot lat="0" lon="0" rev="0"/>
+      </a:camera>
+      <a:lightRig rig="contrasting" dir="t">
+        <a:rot lat="0" lon="0" rev="1200000"/>
+      </a:lightRig>
     </dgm:scene3d>
-    <dgm:sp3d/>
+    <dgm:sp3d z="-110000"/>
     <dgm:txPr/>
     <dgm:style>
       <a:lnRef idx="2">
@@ -3009,10 +2974,14 @@
   </dgm:styleLbl>
   <dgm:styleLbl name="parChTrans1D2">
     <dgm:scene3d>
-      <a:camera prst="orthographicFront"/>
-      <a:lightRig rig="threePt" dir="t"/>
+      <a:camera prst="orthographicFront">
+        <a:rot lat="0" lon="0" rev="0"/>
+      </a:camera>
+      <a:lightRig rig="contrasting" dir="t">
+        <a:rot lat="0" lon="0" rev="1200000"/>
+      </a:lightRig>
     </dgm:scene3d>
-    <dgm:sp3d/>
+    <dgm:sp3d z="-110000"/>
     <dgm:txPr/>
     <dgm:style>
       <a:lnRef idx="2">
@@ -3029,10 +2998,14 @@
   </dgm:styleLbl>
   <dgm:styleLbl name="parChTrans1D3">
     <dgm:scene3d>
-      <a:camera prst="orthographicFront"/>
-      <a:lightRig rig="threePt" dir="t"/>
+      <a:camera prst="orthographicFront">
+        <a:rot lat="0" lon="0" rev="0"/>
+      </a:camera>
+      <a:lightRig rig="contrasting" dir="t">
+        <a:rot lat="0" lon="0" rev="1200000"/>
+      </a:lightRig>
     </dgm:scene3d>
-    <dgm:sp3d/>
+    <dgm:sp3d z="-110000"/>
     <dgm:txPr/>
     <dgm:style>
       <a:lnRef idx="2">
@@ -3049,10 +3022,14 @@
   </dgm:styleLbl>
   <dgm:styleLbl name="parChTrans1D4">
     <dgm:scene3d>
-      <a:camera prst="orthographicFront"/>
-      <a:lightRig rig="threePt" dir="t"/>
+      <a:camera prst="orthographicFront">
+        <a:rot lat="0" lon="0" rev="0"/>
+      </a:camera>
+      <a:lightRig rig="contrasting" dir="t">
+        <a:rot lat="0" lon="0" rev="1200000"/>
+      </a:lightRig>
     </dgm:scene3d>
-    <dgm:sp3d/>
+    <dgm:sp3d z="-110000"/>
     <dgm:txPr/>
     <dgm:style>
       <a:lnRef idx="2">
@@ -3069,13 +3046,20 @@
   </dgm:styleLbl>
   <dgm:styleLbl name="fgAcc1">
     <dgm:scene3d>
-      <a:camera prst="orthographicFront"/>
-      <a:lightRig rig="threePt" dir="t"/>
+      <a:camera prst="orthographicFront">
+        <a:rot lat="0" lon="0" rev="0"/>
+      </a:camera>
+      <a:lightRig rig="contrasting" dir="t">
+        <a:rot lat="0" lon="0" rev="1200000"/>
+      </a:lightRig>
     </dgm:scene3d>
-    <dgm:sp3d/>
+    <dgm:sp3d z="300000" contourW="19050" prstMaterial="metal">
+      <a:bevelT w="88900" h="203200"/>
+      <a:bevelB w="165100" h="254000"/>
+    </dgm:sp3d>
     <dgm:txPr/>
     <dgm:style>
-      <a:lnRef idx="2">
+      <a:lnRef idx="0">
         <a:scrgbClr r="0" g="0" b="0"/>
       </a:lnRef>
       <a:fillRef idx="1">
@@ -3089,13 +3073,20 @@
   </dgm:styleLbl>
   <dgm:styleLbl name="conFgAcc1">
     <dgm:scene3d>
-      <a:camera prst="orthographicFront"/>
-      <a:lightRig rig="threePt" dir="t"/>
+      <a:camera prst="orthographicFront">
+        <a:rot lat="0" lon="0" rev="0"/>
+      </a:camera>
+      <a:lightRig rig="contrasting" dir="t">
+        <a:rot lat="0" lon="0" rev="1200000"/>
+      </a:lightRig>
     </dgm:scene3d>
-    <dgm:sp3d/>
+    <dgm:sp3d z="300000" contourW="19050" prstMaterial="metal">
+      <a:bevelT w="88900" h="203200"/>
+      <a:bevelB w="165100" h="254000"/>
+    </dgm:sp3d>
     <dgm:txPr/>
     <dgm:style>
-      <a:lnRef idx="2">
+      <a:lnRef idx="0">
         <a:scrgbClr r="0" g="0" b="0"/>
       </a:lnRef>
       <a:fillRef idx="1">
@@ -3109,13 +3100,20 @@
   </dgm:styleLbl>
   <dgm:styleLbl name="alignAcc1">
     <dgm:scene3d>
-      <a:camera prst="orthographicFront"/>
-      <a:lightRig rig="threePt" dir="t"/>
+      <a:camera prst="orthographicFront">
+        <a:rot lat="0" lon="0" rev="0"/>
+      </a:camera>
+      <a:lightRig rig="contrasting" dir="t">
+        <a:rot lat="0" lon="0" rev="1200000"/>
+      </a:lightRig>
     </dgm:scene3d>
-    <dgm:sp3d/>
+    <dgm:sp3d contourW="19050" prstMaterial="metal">
+      <a:bevelT w="88900" h="203200"/>
+      <a:bevelB w="165100" h="254000"/>
+    </dgm:sp3d>
     <dgm:txPr/>
     <dgm:style>
-      <a:lnRef idx="2">
+      <a:lnRef idx="0">
         <a:scrgbClr r="0" g="0" b="0"/>
       </a:lnRef>
       <a:fillRef idx="1">
@@ -3129,19 +3127,26 @@
   </dgm:styleLbl>
   <dgm:styleLbl name="trAlignAcc1">
     <dgm:scene3d>
-      <a:camera prst="orthographicFront"/>
-      <a:lightRig rig="threePt" dir="t"/>
+      <a:camera prst="orthographicFront">
+        <a:rot lat="0" lon="0" rev="0"/>
+      </a:camera>
+      <a:lightRig rig="contrasting" dir="t">
+        <a:rot lat="0" lon="0" rev="1200000"/>
+      </a:lightRig>
     </dgm:scene3d>
-    <dgm:sp3d/>
+    <dgm:sp3d contourW="19050" prstMaterial="metal">
+      <a:bevelT w="88900" h="203200"/>
+      <a:bevelB w="165100" h="254000"/>
+    </dgm:sp3d>
     <dgm:txPr/>
     <dgm:style>
-      <a:lnRef idx="1">
+      <a:lnRef idx="0">
         <a:scrgbClr r="0" g="0" b="0"/>
       </a:lnRef>
       <a:fillRef idx="1">
         <a:scrgbClr r="0" g="0" b="0"/>
       </a:fillRef>
-      <a:effectRef idx="0">
+      <a:effectRef idx="1">
         <a:scrgbClr r="0" g="0" b="0"/>
       </a:effectRef>
       <a:fontRef idx="minor"/>
@@ -3149,13 +3154,20 @@
   </dgm:styleLbl>
   <dgm:styleLbl name="bgAcc1">
     <dgm:scene3d>
-      <a:camera prst="orthographicFront"/>
-      <a:lightRig rig="threePt" dir="t"/>
+      <a:camera prst="orthographicFront">
+        <a:rot lat="0" lon="0" rev="0"/>
+      </a:camera>
+      <a:lightRig rig="contrasting" dir="t">
+        <a:rot lat="0" lon="0" rev="1200000"/>
+      </a:lightRig>
     </dgm:scene3d>
-    <dgm:sp3d/>
+    <dgm:sp3d z="-300000" contourW="19050" prstMaterial="metal">
+      <a:bevelT w="88900" h="203200"/>
+      <a:bevelB w="165100" h="254000"/>
+    </dgm:sp3d>
     <dgm:txPr/>
     <dgm:style>
-      <a:lnRef idx="2">
+      <a:lnRef idx="0">
         <a:scrgbClr r="0" g="0" b="0"/>
       </a:lnRef>
       <a:fillRef idx="1">
@@ -3169,13 +3181,20 @@
   </dgm:styleLbl>
   <dgm:styleLbl name="solidFgAcc1">
     <dgm:scene3d>
-      <a:camera prst="orthographicFront"/>
-      <a:lightRig rig="threePt" dir="t"/>
+      <a:camera prst="orthographicFront">
+        <a:rot lat="0" lon="0" rev="0"/>
+      </a:camera>
+      <a:lightRig rig="contrasting" dir="t">
+        <a:rot lat="0" lon="0" rev="1200000"/>
+      </a:lightRig>
     </dgm:scene3d>
-    <dgm:sp3d/>
+    <dgm:sp3d z="300000" contourW="12700" prstMaterial="flat">
+      <a:bevelT w="177800" h="254000"/>
+      <a:bevelB w="152400"/>
+    </dgm:sp3d>
     <dgm:txPr/>
     <dgm:style>
-      <a:lnRef idx="2">
+      <a:lnRef idx="0">
         <a:scrgbClr r="0" g="0" b="0"/>
       </a:lnRef>
       <a:fillRef idx="1">
@@ -3189,13 +3208,20 @@
   </dgm:styleLbl>
   <dgm:styleLbl name="solidAlignAcc1">
     <dgm:scene3d>
-      <a:camera prst="orthographicFront"/>
-      <a:lightRig rig="threePt" dir="t"/>
+      <a:camera prst="orthographicFront">
+        <a:rot lat="0" lon="0" rev="0"/>
+      </a:camera>
+      <a:lightRig rig="contrasting" dir="t">
+        <a:rot lat="0" lon="0" rev="1200000"/>
+      </a:lightRig>
     </dgm:scene3d>
-    <dgm:sp3d/>
+    <dgm:sp3d contourW="19050" prstMaterial="metal">
+      <a:bevelT w="88900" h="203200"/>
+      <a:bevelB w="165100" h="254000"/>
+    </dgm:sp3d>
     <dgm:txPr/>
     <dgm:style>
-      <a:lnRef idx="2">
+      <a:lnRef idx="0">
         <a:scrgbClr r="0" g="0" b="0"/>
       </a:lnRef>
       <a:fillRef idx="1">
@@ -3209,13 +3235,20 @@
   </dgm:styleLbl>
   <dgm:styleLbl name="solidBgAcc1">
     <dgm:scene3d>
-      <a:camera prst="orthographicFront"/>
-      <a:lightRig rig="threePt" dir="t"/>
+      <a:camera prst="orthographicFront">
+        <a:rot lat="0" lon="0" rev="0"/>
+      </a:camera>
+      <a:lightRig rig="contrasting" dir="t">
+        <a:rot lat="0" lon="0" rev="1200000"/>
+      </a:lightRig>
     </dgm:scene3d>
-    <dgm:sp3d/>
+    <dgm:sp3d z="-300000" contourW="19050" prstMaterial="metal">
+      <a:bevelT w="88900" h="203200"/>
+      <a:bevelB w="165100" h="254000"/>
+    </dgm:sp3d>
     <dgm:txPr/>
     <dgm:style>
-      <a:lnRef idx="2">
+      <a:lnRef idx="0">
         <a:scrgbClr r="0" g="0" b="0"/>
       </a:lnRef>
       <a:fillRef idx="1">
@@ -3229,13 +3262,20 @@
   </dgm:styleLbl>
   <dgm:styleLbl name="fgAccFollowNode1">
     <dgm:scene3d>
-      <a:camera prst="orthographicFront"/>
-      <a:lightRig rig="threePt" dir="t"/>
+      <a:camera prst="orthographicFront">
+        <a:rot lat="0" lon="0" rev="0"/>
+      </a:camera>
+      <a:lightRig rig="contrasting" dir="t">
+        <a:rot lat="0" lon="0" rev="1200000"/>
+      </a:lightRig>
     </dgm:scene3d>
-    <dgm:sp3d/>
+    <dgm:sp3d z="300000" contourW="19050" prstMaterial="metal">
+      <a:bevelT w="88900" h="203200"/>
+      <a:bevelB w="165100" h="254000"/>
+    </dgm:sp3d>
     <dgm:txPr/>
     <dgm:style>
-      <a:lnRef idx="2">
+      <a:lnRef idx="0">
         <a:scrgbClr r="0" g="0" b="0"/>
       </a:lnRef>
       <a:fillRef idx="1">
@@ -3249,13 +3289,20 @@
   </dgm:styleLbl>
   <dgm:styleLbl name="alignAccFollowNode1">
     <dgm:scene3d>
-      <a:camera prst="orthographicFront"/>
-      <a:lightRig rig="threePt" dir="t"/>
+      <a:camera prst="orthographicFront">
+        <a:rot lat="0" lon="0" rev="0"/>
+      </a:camera>
+      <a:lightRig rig="contrasting" dir="t">
+        <a:rot lat="0" lon="0" rev="1200000"/>
+      </a:lightRig>
     </dgm:scene3d>
-    <dgm:sp3d/>
+    <dgm:sp3d contourW="19050" prstMaterial="metal">
+      <a:bevelT w="88900" h="203200"/>
+      <a:bevelB w="165100" h="254000"/>
+    </dgm:sp3d>
     <dgm:txPr/>
     <dgm:style>
-      <a:lnRef idx="2">
+      <a:lnRef idx="0">
         <a:scrgbClr r="0" g="0" b="0"/>
       </a:lnRef>
       <a:fillRef idx="1">
@@ -3269,13 +3316,20 @@
   </dgm:styleLbl>
   <dgm:styleLbl name="bgAccFollowNode1">
     <dgm:scene3d>
-      <a:camera prst="orthographicFront"/>
-      <a:lightRig rig="threePt" dir="t"/>
+      <a:camera prst="orthographicFront">
+        <a:rot lat="0" lon="0" rev="0"/>
+      </a:camera>
+      <a:lightRig rig="contrasting" dir="t">
+        <a:rot lat="0" lon="0" rev="1200000"/>
+      </a:lightRig>
     </dgm:scene3d>
-    <dgm:sp3d/>
+    <dgm:sp3d z="-300000" contourW="19050" prstMaterial="metal">
+      <a:bevelT w="88900" h="203200"/>
+      <a:bevelB w="165100" h="254000"/>
+    </dgm:sp3d>
     <dgm:txPr/>
     <dgm:style>
-      <a:lnRef idx="2">
+      <a:lnRef idx="0">
         <a:scrgbClr r="0" g="0" b="0"/>
       </a:lnRef>
       <a:fillRef idx="1">
@@ -3289,13 +3343,20 @@
   </dgm:styleLbl>
   <dgm:styleLbl name="fgAcc0">
     <dgm:scene3d>
-      <a:camera prst="orthographicFront"/>
-      <a:lightRig rig="threePt" dir="t"/>
+      <a:camera prst="orthographicFront">
+        <a:rot lat="0" lon="0" rev="0"/>
+      </a:camera>
+      <a:lightRig rig="contrasting" dir="t">
+        <a:rot lat="0" lon="0" rev="1200000"/>
+      </a:lightRig>
     </dgm:scene3d>
-    <dgm:sp3d/>
+    <dgm:sp3d z="300000" contourW="19050" prstMaterial="metal">
+      <a:bevelT w="88900" h="203200"/>
+      <a:bevelB w="165100" h="254000"/>
+    </dgm:sp3d>
     <dgm:txPr/>
     <dgm:style>
-      <a:lnRef idx="2">
+      <a:lnRef idx="0">
         <a:scrgbClr r="0" g="0" b="0"/>
       </a:lnRef>
       <a:fillRef idx="1">
@@ -3309,13 +3370,20 @@
   </dgm:styleLbl>
   <dgm:styleLbl name="fgAcc2">
     <dgm:scene3d>
-      <a:camera prst="orthographicFront"/>
-      <a:lightRig rig="threePt" dir="t"/>
+      <a:camera prst="orthographicFront">
+        <a:rot lat="0" lon="0" rev="0"/>
+      </a:camera>
+      <a:lightRig rig="contrasting" dir="t">
+        <a:rot lat="0" lon="0" rev="1200000"/>
+      </a:lightRig>
     </dgm:scene3d>
-    <dgm:sp3d/>
+    <dgm:sp3d z="300000" contourW="19050" prstMaterial="metal">
+      <a:bevelT w="88900" h="203200"/>
+      <a:bevelB w="165100" h="254000"/>
+    </dgm:sp3d>
     <dgm:txPr/>
     <dgm:style>
-      <a:lnRef idx="2">
+      <a:lnRef idx="0">
         <a:scrgbClr r="0" g="0" b="0"/>
       </a:lnRef>
       <a:fillRef idx="1">
@@ -3329,13 +3397,20 @@
   </dgm:styleLbl>
   <dgm:styleLbl name="fgAcc3">
     <dgm:scene3d>
-      <a:camera prst="orthographicFront"/>
-      <a:lightRig rig="threePt" dir="t"/>
+      <a:camera prst="orthographicFront">
+        <a:rot lat="0" lon="0" rev="0"/>
+      </a:camera>
+      <a:lightRig rig="contrasting" dir="t">
+        <a:rot lat="0" lon="0" rev="1200000"/>
+      </a:lightRig>
     </dgm:scene3d>
-    <dgm:sp3d/>
+    <dgm:sp3d z="300000" contourW="19050" prstMaterial="metal">
+      <a:bevelT w="88900" h="203200"/>
+      <a:bevelB w="165100" h="254000"/>
+    </dgm:sp3d>
     <dgm:txPr/>
     <dgm:style>
-      <a:lnRef idx="2">
+      <a:lnRef idx="0">
         <a:scrgbClr r="0" g="0" b="0"/>
       </a:lnRef>
       <a:fillRef idx="1">
@@ -3349,13 +3424,20 @@
   </dgm:styleLbl>
   <dgm:styleLbl name="fgAcc4">
     <dgm:scene3d>
-      <a:camera prst="orthographicFront"/>
-      <a:lightRig rig="threePt" dir="t"/>
+      <a:camera prst="orthographicFront">
+        <a:rot lat="0" lon="0" rev="0"/>
+      </a:camera>
+      <a:lightRig rig="contrasting" dir="t">
+        <a:rot lat="0" lon="0" rev="1200000"/>
+      </a:lightRig>
     </dgm:scene3d>
-    <dgm:sp3d/>
+    <dgm:sp3d z="300000" contourW="19050" prstMaterial="metal">
+      <a:bevelT w="88900" h="203200"/>
+      <a:bevelB w="165100" h="254000"/>
+    </dgm:sp3d>
     <dgm:txPr/>
     <dgm:style>
-      <a:lnRef idx="2">
+      <a:lnRef idx="0">
         <a:scrgbClr r="0" g="0" b="0"/>
       </a:lnRef>
       <a:fillRef idx="1">
@@ -3369,13 +3451,17 @@
   </dgm:styleLbl>
   <dgm:styleLbl name="bgShp">
     <dgm:scene3d>
-      <a:camera prst="orthographicFront"/>
-      <a:lightRig rig="threePt" dir="t"/>
+      <a:camera prst="orthographicFront">
+        <a:rot lat="0" lon="0" rev="0"/>
+      </a:camera>
+      <a:lightRig rig="contrasting" dir="t">
+        <a:rot lat="0" lon="0" rev="1200000"/>
+      </a:lightRig>
     </dgm:scene3d>
-    <dgm:sp3d/>
+    <dgm:sp3d z="-300000" prstMaterial="plastic"/>
     <dgm:txPr/>
     <dgm:style>
-      <a:lnRef idx="0">
+      <a:lnRef idx="1">
         <a:scrgbClr r="0" g="0" b="0"/>
       </a:lnRef>
       <a:fillRef idx="1">
@@ -3389,10 +3475,17 @@
   </dgm:styleLbl>
   <dgm:styleLbl name="dkBgShp">
     <dgm:scene3d>
-      <a:camera prst="orthographicFront"/>
-      <a:lightRig rig="threePt" dir="t"/>
+      <a:camera prst="orthographicFront">
+        <a:rot lat="0" lon="0" rev="0"/>
+      </a:camera>
+      <a:lightRig rig="contrasting" dir="t">
+        <a:rot lat="0" lon="0" rev="1200000"/>
+      </a:lightRig>
     </dgm:scene3d>
-    <dgm:sp3d/>
+    <dgm:sp3d contourW="12700" prstMaterial="flat">
+      <a:bevelT w="100800" h="154000"/>
+      <a:bevelB w="152400"/>
+    </dgm:sp3d>
     <dgm:txPr/>
     <dgm:style>
       <a:lnRef idx="0">
@@ -3409,13 +3502,17 @@
   </dgm:styleLbl>
   <dgm:styleLbl name="trBgShp">
     <dgm:scene3d>
-      <a:camera prst="orthographicFront"/>
-      <a:lightRig rig="threePt" dir="t"/>
+      <a:camera prst="orthographicFront">
+        <a:rot lat="0" lon="0" rev="0"/>
+      </a:camera>
+      <a:lightRig rig="contrasting" dir="t">
+        <a:rot lat="0" lon="0" rev="1200000"/>
+      </a:lightRig>
     </dgm:scene3d>
-    <dgm:sp3d/>
+    <dgm:sp3d z="-152400" prstMaterial="matte"/>
     <dgm:txPr/>
     <dgm:style>
-      <a:lnRef idx="0">
+      <a:lnRef idx="1">
         <a:scrgbClr r="0" g="0" b="0"/>
       </a:lnRef>
       <a:fillRef idx="1">
@@ -3429,19 +3526,26 @@
   </dgm:styleLbl>
   <dgm:styleLbl name="fgShp">
     <dgm:scene3d>
-      <a:camera prst="orthographicFront"/>
-      <a:lightRig rig="threePt" dir="t"/>
+      <a:camera prst="orthographicFront">
+        <a:rot lat="0" lon="0" rev="0"/>
+      </a:camera>
+      <a:lightRig rig="contrasting" dir="t">
+        <a:rot lat="0" lon="0" rev="1200000"/>
+      </a:lightRig>
     </dgm:scene3d>
-    <dgm:sp3d/>
+    <dgm:sp3d z="300000" contourW="19050" prstMaterial="metal">
+      <a:bevelT w="88900" h="203200"/>
+      <a:bevelB w="165100" h="254000"/>
+    </dgm:sp3d>
     <dgm:txPr/>
     <dgm:style>
-      <a:lnRef idx="3">
+      <a:lnRef idx="0">
         <a:scrgbClr r="0" g="0" b="0"/>
       </a:lnRef>
       <a:fillRef idx="1">
         <a:scrgbClr r="0" g="0" b="0"/>
       </a:fillRef>
-      <a:effectRef idx="1">
+      <a:effectRef idx="0">
         <a:scrgbClr r="0" g="0" b="0"/>
       </a:effectRef>
       <a:fontRef idx="minor"/>
@@ -3455,7 +3559,7 @@
     <dgm:sp3d/>
     <dgm:txPr/>
     <dgm:style>
-      <a:lnRef idx="0">
+      <a:lnRef idx="1">
         <a:scrgbClr r="0" g="0" b="0"/>
       </a:lnRef>
       <a:fillRef idx="0">
@@ -3552,7 +3656,7 @@
           <a:p>
             <a:fld id="{10835DAE-978F-4E03-A2C5-B5F472B81D2C}" type="datetimeFigureOut">
               <a:rPr lang="ru-RU" smtClean="0"/>
-              <a:t>09.03.2017</a:t>
+              <a:t>13.03.2019</a:t>
             </a:fld>
             <a:endParaRPr lang="ru-RU"/>
           </a:p>
@@ -4634,7 +4738,7 @@
           <a:p>
             <a:fld id="{F3D5BA58-7246-414D-B12A-1840F239CBA1}" type="datetime1">
               <a:rPr lang="ru-RU" smtClean="0"/>
-              <a:t>09.03.2017</a:t>
+              <a:t>13.03.2019</a:t>
             </a:fld>
             <a:endParaRPr lang="ru-RU"/>
           </a:p>
@@ -4842,7 +4946,7 @@
           <a:p>
             <a:fld id="{C3497A67-1F0D-4432-B3BB-0F231C44DA45}" type="datetime1">
               <a:rPr lang="ru-RU" smtClean="0"/>
-              <a:t>09.03.2017</a:t>
+              <a:t>13.03.2019</a:t>
             </a:fld>
             <a:endParaRPr lang="ru-RU"/>
           </a:p>
@@ -5098,7 +5202,7 @@
           <a:p>
             <a:fld id="{7B9012A2-10CD-4F76-93C8-9C7F71DB5655}" type="datetime1">
               <a:rPr lang="ru-RU" smtClean="0"/>
-              <a:t>09.03.2017</a:t>
+              <a:t>13.03.2019</a:t>
             </a:fld>
             <a:endParaRPr lang="ru-RU"/>
           </a:p>
@@ -5268,7 +5372,7 @@
           <a:p>
             <a:fld id="{FA90F5C1-6CCC-4359-91F7-EA37CD3B1A52}" type="datetime1">
               <a:rPr lang="ru-RU" smtClean="0"/>
-              <a:t>09.03.2017</a:t>
+              <a:t>13.03.2019</a:t>
             </a:fld>
             <a:endParaRPr lang="ru-RU"/>
           </a:p>
@@ -5611,7 +5715,7 @@
           <a:p>
             <a:fld id="{BA634C88-E94A-45E7-A3CC-B675854ACEA1}" type="datetime1">
               <a:rPr lang="ru-RU" smtClean="0"/>
-              <a:t>09.03.2017</a:t>
+              <a:t>13.03.2019</a:t>
             </a:fld>
             <a:endParaRPr lang="ru-RU"/>
           </a:p>
@@ -5886,7 +5990,7 @@
           <a:p>
             <a:fld id="{1F02687C-DB50-464B-B9A5-452FCB2E55F9}" type="datetime1">
               <a:rPr lang="ru-RU" smtClean="0"/>
-              <a:t>09.03.2017</a:t>
+              <a:t>13.03.2019</a:t>
             </a:fld>
             <a:endParaRPr lang="ru-RU"/>
           </a:p>
@@ -6265,7 +6369,7 @@
           <a:p>
             <a:fld id="{A1C25F0D-B081-465C-AEE2-BBE1B5DEA99E}" type="datetime1">
               <a:rPr lang="ru-RU" smtClean="0"/>
-              <a:t>09.03.2017</a:t>
+              <a:t>13.03.2019</a:t>
             </a:fld>
             <a:endParaRPr lang="ru-RU"/>
           </a:p>
@@ -6383,7 +6487,7 @@
           <a:p>
             <a:fld id="{37A92FDA-CF9C-463F-A36E-9B7A1F0B59FB}" type="datetime1">
               <a:rPr lang="ru-RU" smtClean="0"/>
-              <a:t>09.03.2017</a:t>
+              <a:t>13.03.2019</a:t>
             </a:fld>
             <a:endParaRPr lang="ru-RU"/>
           </a:p>
@@ -6554,7 +6658,7 @@
           <a:p>
             <a:fld id="{AB60C5E6-F9DE-4D59-A596-874D78667656}" type="datetime1">
               <a:rPr lang="ru-RU" smtClean="0"/>
-              <a:t>09.03.2017</a:t>
+              <a:t>13.03.2019</a:t>
             </a:fld>
             <a:endParaRPr lang="ru-RU"/>
           </a:p>
@@ -6908,7 +7012,7 @@
           <a:p>
             <a:fld id="{1A9D53C6-BB6D-4664-A23A-57B6ACA5FCA0}" type="datetime1">
               <a:rPr lang="ru-RU" smtClean="0"/>
-              <a:t>09.03.2017</a:t>
+              <a:t>13.03.2019</a:t>
             </a:fld>
             <a:endParaRPr lang="ru-RU"/>
           </a:p>
@@ -7290,7 +7394,7 @@
           <a:p>
             <a:fld id="{C6D60FA7-ACB4-4DBF-BA64-965C1F552C42}" type="datetime1">
               <a:rPr lang="ru-RU" smtClean="0"/>
-              <a:t>09.03.2017</a:t>
+              <a:t>13.03.2019</a:t>
             </a:fld>
             <a:endParaRPr lang="ru-RU"/>
           </a:p>
@@ -7577,7 +7681,7 @@
           <a:p>
             <a:fld id="{AC140413-E94E-45F5-9BB1-3A1E72CB9ABC}" type="datetime1">
               <a:rPr lang="ru-RU" smtClean="0"/>
-              <a:t>09.03.2017</a:t>
+              <a:t>13.03.2019</a:t>
             </a:fld>
             <a:endParaRPr lang="ru-RU"/>
           </a:p>
@@ -8130,13 +8234,22 @@
               <a:t>Разработка </a:t>
             </a:r>
             <a:r>
-              <a:rPr lang="ru-RU" sz="4400" dirty="0" err="1"/>
-              <a:t>Android</a:t>
+              <a:rPr lang="en-US" sz="4400" dirty="0" smtClean="0"/>
+              <a:t>web</a:t>
+            </a:r>
+            <a:r>
+              <a:rPr lang="ru-RU" sz="4400" dirty="0" smtClean="0"/>
+              <a:t>-приложения </a:t>
             </a:r>
             <a:r>
               <a:rPr lang="ru-RU" sz="4400" dirty="0"/>
-              <a:t>-приложения для создания структурных формул органических соединений</a:t>
+              <a:t>для </a:t>
             </a:r>
+            <a:r>
+              <a:rPr lang="ru-RU" sz="4400" dirty="0" smtClean="0"/>
+              <a:t>владельцев собак</a:t>
+            </a:r>
+            <a:endParaRPr lang="ru-RU" sz="4400" dirty="0"/>
           </a:p>
         </p:txBody>
       </p:sp>
@@ -8165,19 +8278,21 @@
             <a:pPr algn="r"/>
             <a:r>
               <a:rPr lang="ru-RU" sz="2000" dirty="0" err="1" smtClean="0"/>
-              <a:t>Головизнина</a:t>
+              <a:t>Терешкин</a:t>
             </a:r>
             <a:r>
               <a:rPr lang="ru-RU" sz="2000" dirty="0" smtClean="0"/>
-              <a:t> Екатерина Владимировна</a:t>
+              <a:t> Никита Сергеевич</a:t>
             </a:r>
+            <a:endParaRPr lang="ru-RU" sz="2000" dirty="0" smtClean="0"/>
           </a:p>
           <a:p>
             <a:pPr algn="r"/>
             <a:r>
               <a:rPr lang="ru-RU" sz="2000" dirty="0" smtClean="0"/>
-              <a:t>24ППВ12</a:t>
+              <a:t>28ПР31</a:t>
             </a:r>
+            <a:endParaRPr lang="ru-RU" sz="2000" dirty="0" smtClean="0"/>
           </a:p>
           <a:p>
             <a:pPr algn="r"/>
@@ -8262,33 +8377,6 @@
       </p:sp>
       <p:sp>
         <p:nvSpPr>
-          <p:cNvPr id="3" name="Объект 2"/>
-          <p:cNvSpPr>
-            <a:spLocks noGrp="1"/>
-          </p:cNvSpPr>
-          <p:nvPr>
-            <p:ph idx="1"/>
-          </p:nvPr>
-        </p:nvSpPr>
-        <p:spPr>
-          <a:xfrm>
-            <a:off x="822960" y="1737361"/>
-            <a:ext cx="3478584" cy="4023360"/>
-          </a:xfrm>
-        </p:spPr>
-        <p:txBody>
-          <a:bodyPr/>
-          <a:lstStyle/>
-          <a:p>
-            <a:r>
-              <a:rPr lang="en-US" dirty="0" smtClean="0"/>
-              <a:t>Windows:</a:t>
-            </a:r>
-          </a:p>
-        </p:txBody>
-      </p:sp>
-      <p:sp>
-        <p:nvSpPr>
           <p:cNvPr id="4" name="Номер слайда 3"/>
           <p:cNvSpPr>
             <a:spLocks noGrp="1"/>
@@ -8310,291 +8398,42 @@
           </a:p>
         </p:txBody>
       </p:sp>
-      <p:sp>
-        <p:nvSpPr>
-          <p:cNvPr id="6" name="Объект 2"/>
-          <p:cNvSpPr txBox="1">
-            <a:spLocks/>
-          </p:cNvSpPr>
-          <p:nvPr/>
-        </p:nvSpPr>
+      <p:pic>
+        <p:nvPicPr>
+          <p:cNvPr id="7" name="Объект 6"/>
+          <p:cNvPicPr>
+            <a:picLocks noGrp="1" noChangeAspect="1"/>
+          </p:cNvPicPr>
+          <p:nvPr>
+            <p:ph idx="1"/>
+          </p:nvPr>
+        </p:nvPicPr>
+        <p:blipFill>
+          <a:blip r:embed="rId3"/>
+          <a:stretch>
+            <a:fillRect/>
+          </a:stretch>
+        </p:blipFill>
         <p:spPr>
           <a:xfrm>
-            <a:off x="822960" y="4333678"/>
-            <a:ext cx="3478584" cy="1536949"/>
+            <a:off x="555925" y="4465524"/>
+            <a:ext cx="4808075" cy="1106011"/>
           </a:xfrm>
           <a:prstGeom prst="rect">
             <a:avLst/>
           </a:prstGeom>
         </p:spPr>
-        <p:txBody>
-          <a:bodyPr vert="horz" lIns="0" tIns="45720" rIns="0" bIns="45720" rtlCol="0">
-            <a:normAutofit/>
-          </a:bodyPr>
-          <a:lstStyle>
-            <a:lvl1pPr marL="91440" indent="-91440" algn="l" defTabSz="914400" rtl="0" eaLnBrk="1" latinLnBrk="0" hangingPunct="1">
-              <a:lnSpc>
-                <a:spcPct val="90000"/>
-              </a:lnSpc>
-              <a:spcBef>
-                <a:spcPts val="1200"/>
-              </a:spcBef>
-              <a:spcAft>
-                <a:spcPts val="200"/>
-              </a:spcAft>
-              <a:buClr>
-                <a:schemeClr val="accent1"/>
-              </a:buClr>
-              <a:buSzPct val="100000"/>
-              <a:buFont typeface="Calibri" panose="020F0502020204030204" pitchFamily="34" charset="0"/>
-              <a:buChar char=" "/>
-              <a:defRPr sz="2000" kern="1200">
-                <a:solidFill>
-                  <a:schemeClr val="tx1">
-                    <a:lumMod val="75000"/>
-                    <a:lumOff val="25000"/>
-                  </a:schemeClr>
-                </a:solidFill>
-                <a:latin typeface="+mn-lt"/>
-                <a:ea typeface="+mn-ea"/>
-                <a:cs typeface="+mn-cs"/>
-              </a:defRPr>
-            </a:lvl1pPr>
-            <a:lvl2pPr marL="384048" indent="-182880" algn="l" defTabSz="914400" rtl="0" eaLnBrk="1" latinLnBrk="0" hangingPunct="1">
-              <a:lnSpc>
-                <a:spcPct val="90000"/>
-              </a:lnSpc>
-              <a:spcBef>
-                <a:spcPts val="200"/>
-              </a:spcBef>
-              <a:spcAft>
-                <a:spcPts val="400"/>
-              </a:spcAft>
-              <a:buClr>
-                <a:schemeClr val="accent1"/>
-              </a:buClr>
-              <a:buFont typeface="Calibri" pitchFamily="34" charset="0"/>
-              <a:buChar char="◦"/>
-              <a:defRPr sz="1800" kern="1200">
-                <a:solidFill>
-                  <a:schemeClr val="tx1">
-                    <a:lumMod val="75000"/>
-                    <a:lumOff val="25000"/>
-                  </a:schemeClr>
-                </a:solidFill>
-                <a:latin typeface="+mn-lt"/>
-                <a:ea typeface="+mn-ea"/>
-                <a:cs typeface="+mn-cs"/>
-              </a:defRPr>
-            </a:lvl2pPr>
-            <a:lvl3pPr marL="566928" indent="-182880" algn="l" defTabSz="914400" rtl="0" eaLnBrk="1" latinLnBrk="0" hangingPunct="1">
-              <a:lnSpc>
-                <a:spcPct val="90000"/>
-              </a:lnSpc>
-              <a:spcBef>
-                <a:spcPts val="200"/>
-              </a:spcBef>
-              <a:spcAft>
-                <a:spcPts val="400"/>
-              </a:spcAft>
-              <a:buClr>
-                <a:schemeClr val="accent1"/>
-              </a:buClr>
-              <a:buFont typeface="Calibri" pitchFamily="34" charset="0"/>
-              <a:buChar char="◦"/>
-              <a:defRPr sz="1400" kern="1200">
-                <a:solidFill>
-                  <a:schemeClr val="tx1">
-                    <a:lumMod val="75000"/>
-                    <a:lumOff val="25000"/>
-                  </a:schemeClr>
-                </a:solidFill>
-                <a:latin typeface="+mn-lt"/>
-                <a:ea typeface="+mn-ea"/>
-                <a:cs typeface="+mn-cs"/>
-              </a:defRPr>
-            </a:lvl3pPr>
-            <a:lvl4pPr marL="749808" indent="-182880" algn="l" defTabSz="914400" rtl="0" eaLnBrk="1" latinLnBrk="0" hangingPunct="1">
-              <a:lnSpc>
-                <a:spcPct val="90000"/>
-              </a:lnSpc>
-              <a:spcBef>
-                <a:spcPts val="200"/>
-              </a:spcBef>
-              <a:spcAft>
-                <a:spcPts val="400"/>
-              </a:spcAft>
-              <a:buClr>
-                <a:schemeClr val="accent1"/>
-              </a:buClr>
-              <a:buFont typeface="Calibri" pitchFamily="34" charset="0"/>
-              <a:buChar char="◦"/>
-              <a:defRPr sz="1400" kern="1200">
-                <a:solidFill>
-                  <a:schemeClr val="tx1">
-                    <a:lumMod val="75000"/>
-                    <a:lumOff val="25000"/>
-                  </a:schemeClr>
-                </a:solidFill>
-                <a:latin typeface="+mn-lt"/>
-                <a:ea typeface="+mn-ea"/>
-                <a:cs typeface="+mn-cs"/>
-              </a:defRPr>
-            </a:lvl4pPr>
-            <a:lvl5pPr marL="932688" indent="-182880" algn="l" defTabSz="914400" rtl="0" eaLnBrk="1" latinLnBrk="0" hangingPunct="1">
-              <a:lnSpc>
-                <a:spcPct val="90000"/>
-              </a:lnSpc>
-              <a:spcBef>
-                <a:spcPts val="200"/>
-              </a:spcBef>
-              <a:spcAft>
-                <a:spcPts val="400"/>
-              </a:spcAft>
-              <a:buClr>
-                <a:schemeClr val="accent1"/>
-              </a:buClr>
-              <a:buFont typeface="Calibri" pitchFamily="34" charset="0"/>
-              <a:buChar char="◦"/>
-              <a:defRPr sz="1400" kern="1200">
-                <a:solidFill>
-                  <a:schemeClr val="tx1">
-                    <a:lumMod val="75000"/>
-                    <a:lumOff val="25000"/>
-                  </a:schemeClr>
-                </a:solidFill>
-                <a:latin typeface="+mn-lt"/>
-                <a:ea typeface="+mn-ea"/>
-                <a:cs typeface="+mn-cs"/>
-              </a:defRPr>
-            </a:lvl5pPr>
-            <a:lvl6pPr marL="1100000" indent="-228600" algn="l" defTabSz="914400" rtl="0" eaLnBrk="1" latinLnBrk="0" hangingPunct="1">
-              <a:lnSpc>
-                <a:spcPct val="90000"/>
-              </a:lnSpc>
-              <a:spcBef>
-                <a:spcPts val="200"/>
-              </a:spcBef>
-              <a:spcAft>
-                <a:spcPts val="400"/>
-              </a:spcAft>
-              <a:buClr>
-                <a:schemeClr val="accent1"/>
-              </a:buClr>
-              <a:buFont typeface="Calibri" pitchFamily="34" charset="0"/>
-              <a:buChar char="◦"/>
-              <a:defRPr sz="1400" kern="1200">
-                <a:solidFill>
-                  <a:schemeClr val="tx1">
-                    <a:lumMod val="75000"/>
-                    <a:lumOff val="25000"/>
-                  </a:schemeClr>
-                </a:solidFill>
-                <a:latin typeface="+mn-lt"/>
-                <a:ea typeface="+mn-ea"/>
-                <a:cs typeface="+mn-cs"/>
-              </a:defRPr>
-            </a:lvl6pPr>
-            <a:lvl7pPr marL="1300000" indent="-228600" algn="l" defTabSz="914400" rtl="0" eaLnBrk="1" latinLnBrk="0" hangingPunct="1">
-              <a:lnSpc>
-                <a:spcPct val="90000"/>
-              </a:lnSpc>
-              <a:spcBef>
-                <a:spcPts val="200"/>
-              </a:spcBef>
-              <a:spcAft>
-                <a:spcPts val="400"/>
-              </a:spcAft>
-              <a:buClr>
-                <a:schemeClr val="accent1"/>
-              </a:buClr>
-              <a:buFont typeface="Calibri" pitchFamily="34" charset="0"/>
-              <a:buChar char="◦"/>
-              <a:defRPr sz="1400" kern="1200">
-                <a:solidFill>
-                  <a:schemeClr val="tx1">
-                    <a:lumMod val="75000"/>
-                    <a:lumOff val="25000"/>
-                  </a:schemeClr>
-                </a:solidFill>
-                <a:latin typeface="+mn-lt"/>
-                <a:ea typeface="+mn-ea"/>
-                <a:cs typeface="+mn-cs"/>
-              </a:defRPr>
-            </a:lvl7pPr>
-            <a:lvl8pPr marL="1500000" indent="-228600" algn="l" defTabSz="914400" rtl="0" eaLnBrk="1" latinLnBrk="0" hangingPunct="1">
-              <a:lnSpc>
-                <a:spcPct val="90000"/>
-              </a:lnSpc>
-              <a:spcBef>
-                <a:spcPts val="200"/>
-              </a:spcBef>
-              <a:spcAft>
-                <a:spcPts val="400"/>
-              </a:spcAft>
-              <a:buClr>
-                <a:schemeClr val="accent1"/>
-              </a:buClr>
-              <a:buFont typeface="Calibri" pitchFamily="34" charset="0"/>
-              <a:buChar char="◦"/>
-              <a:defRPr sz="1400" kern="1200">
-                <a:solidFill>
-                  <a:schemeClr val="tx1">
-                    <a:lumMod val="75000"/>
-                    <a:lumOff val="25000"/>
-                  </a:schemeClr>
-                </a:solidFill>
-                <a:latin typeface="+mn-lt"/>
-                <a:ea typeface="+mn-ea"/>
-                <a:cs typeface="+mn-cs"/>
-              </a:defRPr>
-            </a:lvl8pPr>
-            <a:lvl9pPr marL="1700000" indent="-228600" algn="l" defTabSz="914400" rtl="0" eaLnBrk="1" latinLnBrk="0" hangingPunct="1">
-              <a:lnSpc>
-                <a:spcPct val="90000"/>
-              </a:lnSpc>
-              <a:spcBef>
-                <a:spcPts val="200"/>
-              </a:spcBef>
-              <a:spcAft>
-                <a:spcPts val="400"/>
-              </a:spcAft>
-              <a:buClr>
-                <a:schemeClr val="accent1"/>
-              </a:buClr>
-              <a:buFont typeface="Calibri" pitchFamily="34" charset="0"/>
-              <a:buChar char="◦"/>
-              <a:defRPr sz="1400" kern="1200">
-                <a:solidFill>
-                  <a:schemeClr val="tx1">
-                    <a:lumMod val="75000"/>
-                    <a:lumOff val="25000"/>
-                  </a:schemeClr>
-                </a:solidFill>
-                <a:latin typeface="+mn-lt"/>
-                <a:ea typeface="+mn-ea"/>
-                <a:cs typeface="+mn-cs"/>
-              </a:defRPr>
-            </a:lvl9pPr>
-          </a:lstStyle>
-          <a:p>
-            <a:r>
-              <a:rPr lang="en-US" dirty="0" smtClean="0"/>
-              <a:t>Android:</a:t>
-            </a:r>
-          </a:p>
-        </p:txBody>
-      </p:sp>
+      </p:pic>
       <p:pic>
         <p:nvPicPr>
-          <p:cNvPr id="1028" name="Picture 4" descr="Картинки по запросу chemdraw"/>
+          <p:cNvPr id="10242" name="Picture 2" descr="https://pet2you.com/img/landing/logo-main-new.png"/>
           <p:cNvPicPr>
             <a:picLocks noChangeAspect="1" noChangeArrowheads="1"/>
           </p:cNvPicPr>
           <p:nvPr/>
         </p:nvPicPr>
         <p:blipFill>
-          <a:blip r:embed="rId3">
+          <a:blip r:embed="rId4">
             <a:extLst>
               <a:ext uri="{28A0092B-C50C-407E-A947-70E740481C1C}">
                 <a14:useLocalDpi xmlns:a14="http://schemas.microsoft.com/office/drawing/2010/main" val="0"/>
@@ -8608,8 +8447,8 @@
         </p:blipFill>
         <p:spPr bwMode="auto">
           <a:xfrm>
-            <a:off x="963743" y="2089823"/>
-            <a:ext cx="3279622" cy="787110"/>
+            <a:off x="2826775" y="1927051"/>
+            <a:ext cx="5991225" cy="1628776"/>
           </a:xfrm>
           <a:prstGeom prst="rect">
             <a:avLst/>
@@ -8626,515 +8465,6 @@
           </a:extLst>
         </p:spPr>
       </p:pic>
-      <p:pic>
-        <p:nvPicPr>
-          <p:cNvPr id="1032" name="Picture 8" descr="Картинки по запросу acd labs"/>
-          <p:cNvPicPr>
-            <a:picLocks noChangeAspect="1" noChangeArrowheads="1"/>
-          </p:cNvPicPr>
-          <p:nvPr/>
-        </p:nvPicPr>
-        <p:blipFill>
-          <a:blip r:embed="rId4" cstate="print">
-            <a:extLst>
-              <a:ext uri="{28A0092B-C50C-407E-A947-70E740481C1C}">
-                <a14:useLocalDpi xmlns:a14="http://schemas.microsoft.com/office/drawing/2010/main" val="0"/>
-              </a:ext>
-            </a:extLst>
-          </a:blip>
-          <a:srcRect/>
-          <a:stretch>
-            <a:fillRect/>
-          </a:stretch>
-        </p:blipFill>
-        <p:spPr bwMode="auto">
-          <a:xfrm>
-            <a:off x="494005" y="2863263"/>
-            <a:ext cx="1536795" cy="1214973"/>
-          </a:xfrm>
-          <a:prstGeom prst="rect">
-            <a:avLst/>
-          </a:prstGeom>
-          <a:noFill/>
-          <a:extLst>
-            <a:ext uri="{909E8E84-426E-40DD-AFC4-6F175D3DCCD1}">
-              <a14:hiddenFill xmlns:a14="http://schemas.microsoft.com/office/drawing/2010/main">
-                <a:solidFill>
-                  <a:srgbClr val="FFFFFF"/>
-                </a:solidFill>
-              </a14:hiddenFill>
-            </a:ext>
-          </a:extLst>
-        </p:spPr>
-      </p:pic>
-      <p:pic>
-        <p:nvPicPr>
-          <p:cNvPr id="1034" name="Picture 10" descr="Картинки по запросу ISIS/Draw"/>
-          <p:cNvPicPr>
-            <a:picLocks noChangeAspect="1" noChangeArrowheads="1"/>
-          </p:cNvPicPr>
-          <p:nvPr/>
-        </p:nvPicPr>
-        <p:blipFill>
-          <a:blip r:embed="rId5">
-            <a:extLst>
-              <a:ext uri="{28A0092B-C50C-407E-A947-70E740481C1C}">
-                <a14:useLocalDpi xmlns:a14="http://schemas.microsoft.com/office/drawing/2010/main" val="0"/>
-              </a:ext>
-            </a:extLst>
-          </a:blip>
-          <a:srcRect/>
-          <a:stretch>
-            <a:fillRect/>
-          </a:stretch>
-        </p:blipFill>
-        <p:spPr bwMode="auto">
-          <a:xfrm>
-            <a:off x="2685548" y="2743139"/>
-            <a:ext cx="1263951" cy="1361179"/>
-          </a:xfrm>
-          <a:prstGeom prst="rect">
-            <a:avLst/>
-          </a:prstGeom>
-          <a:noFill/>
-          <a:extLst>
-            <a:ext uri="{909E8E84-426E-40DD-AFC4-6F175D3DCCD1}">
-              <a14:hiddenFill xmlns:a14="http://schemas.microsoft.com/office/drawing/2010/main">
-                <a:solidFill>
-                  <a:srgbClr val="FFFFFF"/>
-                </a:solidFill>
-              </a14:hiddenFill>
-            </a:ext>
-          </a:extLst>
-        </p:spPr>
-      </p:pic>
-      <p:pic>
-        <p:nvPicPr>
-          <p:cNvPr id="10" name="Рисунок 9"/>
-          <p:cNvPicPr>
-            <a:picLocks noChangeAspect="1"/>
-          </p:cNvPicPr>
-          <p:nvPr/>
-        </p:nvPicPr>
-        <p:blipFill>
-          <a:blip r:embed="rId6">
-            <a:clrChange>
-              <a:clrFrom>
-                <a:srgbClr val="000000"/>
-              </a:clrFrom>
-              <a:clrTo>
-                <a:srgbClr val="000000">
-                  <a:alpha val="0"/>
-                </a:srgbClr>
-              </a:clrTo>
-            </a:clrChange>
-          </a:blip>
-          <a:stretch>
-            <a:fillRect/>
-          </a:stretch>
-        </p:blipFill>
-        <p:spPr>
-          <a:xfrm>
-            <a:off x="308981" y="4803615"/>
-            <a:ext cx="1453758" cy="1453758"/>
-          </a:xfrm>
-          <a:prstGeom prst="rect">
-            <a:avLst/>
-          </a:prstGeom>
-        </p:spPr>
-      </p:pic>
-      <p:pic>
-        <p:nvPicPr>
-          <p:cNvPr id="12" name="Рисунок 11"/>
-          <p:cNvPicPr>
-            <a:picLocks noChangeAspect="1"/>
-          </p:cNvPicPr>
-          <p:nvPr/>
-        </p:nvPicPr>
-        <p:blipFill>
-          <a:blip r:embed="rId7"/>
-          <a:stretch>
-            <a:fillRect/>
-          </a:stretch>
-        </p:blipFill>
-        <p:spPr>
-          <a:xfrm>
-            <a:off x="1805587" y="4838598"/>
-            <a:ext cx="1453758" cy="1453758"/>
-          </a:xfrm>
-          <a:prstGeom prst="rect">
-            <a:avLst/>
-          </a:prstGeom>
-        </p:spPr>
-      </p:pic>
-      <p:pic>
-        <p:nvPicPr>
-          <p:cNvPr id="13" name="Рисунок 12"/>
-          <p:cNvPicPr>
-            <a:picLocks noChangeAspect="1"/>
-          </p:cNvPicPr>
-          <p:nvPr/>
-        </p:nvPicPr>
-        <p:blipFill>
-          <a:blip r:embed="rId8"/>
-          <a:stretch>
-            <a:fillRect/>
-          </a:stretch>
-        </p:blipFill>
-        <p:spPr>
-          <a:xfrm>
-            <a:off x="3317524" y="4836519"/>
-            <a:ext cx="1453758" cy="1453758"/>
-          </a:xfrm>
-          <a:prstGeom prst="rect">
-            <a:avLst/>
-          </a:prstGeom>
-        </p:spPr>
-      </p:pic>
-      <p:pic>
-        <p:nvPicPr>
-          <p:cNvPr id="25" name="Picture 24" descr="Картинки по запросу chemsketch"/>
-          <p:cNvPicPr>
-            <a:picLocks noChangeAspect="1" noChangeArrowheads="1"/>
-          </p:cNvPicPr>
-          <p:nvPr/>
-        </p:nvPicPr>
-        <p:blipFill>
-          <a:blip r:embed="rId9">
-            <a:extLst>
-              <a:ext uri="{28A0092B-C50C-407E-A947-70E740481C1C}">
-                <a14:useLocalDpi xmlns:a14="http://schemas.microsoft.com/office/drawing/2010/main" val="0"/>
-              </a:ext>
-            </a:extLst>
-          </a:blip>
-          <a:srcRect/>
-          <a:stretch>
-            <a:fillRect/>
-          </a:stretch>
-        </p:blipFill>
-        <p:spPr bwMode="auto">
-          <a:xfrm>
-            <a:off x="5145711" y="1816813"/>
-            <a:ext cx="3282667" cy="2035254"/>
-          </a:xfrm>
-          <a:prstGeom prst="rect">
-            <a:avLst/>
-          </a:prstGeom>
-          <a:noFill/>
-          <a:extLst>
-            <a:ext uri="{909E8E84-426E-40DD-AFC4-6F175D3DCCD1}">
-              <a14:hiddenFill xmlns:a14="http://schemas.microsoft.com/office/drawing/2010/main">
-                <a:solidFill>
-                  <a:srgbClr val="FFFFFF"/>
-                </a:solidFill>
-              </a14:hiddenFill>
-            </a:ext>
-          </a:extLst>
-        </p:spPr>
-      </p:pic>
-      <p:pic>
-        <p:nvPicPr>
-          <p:cNvPr id="26" name="Рисунок 25"/>
-          <p:cNvPicPr>
-            <a:picLocks noChangeAspect="1"/>
-          </p:cNvPicPr>
-          <p:nvPr/>
-        </p:nvPicPr>
-        <p:blipFill>
-          <a:blip r:embed="rId10"/>
-          <a:stretch>
-            <a:fillRect/>
-          </a:stretch>
-        </p:blipFill>
-        <p:spPr>
-          <a:xfrm rot="16200000">
-            <a:off x="5842223" y="3740813"/>
-            <a:ext cx="1861443" cy="3310866"/>
-          </a:xfrm>
-          <a:prstGeom prst="rect">
-            <a:avLst/>
-          </a:prstGeom>
-        </p:spPr>
-      </p:pic>
-      <p:sp>
-        <p:nvSpPr>
-          <p:cNvPr id="27" name="Объект 2"/>
-          <p:cNvSpPr txBox="1">
-            <a:spLocks/>
-          </p:cNvSpPr>
-          <p:nvPr/>
-        </p:nvSpPr>
-        <p:spPr>
-          <a:xfrm>
-            <a:off x="6422751" y="3985666"/>
-            <a:ext cx="700385" cy="479858"/>
-          </a:xfrm>
-          <a:prstGeom prst="rect">
-            <a:avLst/>
-          </a:prstGeom>
-        </p:spPr>
-        <p:txBody>
-          <a:bodyPr vert="horz" lIns="0" tIns="45720" rIns="0" bIns="45720" rtlCol="0">
-            <a:normAutofit fontScale="92500" lnSpcReduction="10000"/>
-          </a:bodyPr>
-          <a:lstStyle>
-            <a:lvl1pPr marL="91440" indent="-91440" algn="l" defTabSz="914400" rtl="0" eaLnBrk="1" latinLnBrk="0" hangingPunct="1">
-              <a:lnSpc>
-                <a:spcPct val="90000"/>
-              </a:lnSpc>
-              <a:spcBef>
-                <a:spcPts val="1200"/>
-              </a:spcBef>
-              <a:spcAft>
-                <a:spcPts val="200"/>
-              </a:spcAft>
-              <a:buClr>
-                <a:schemeClr val="accent1"/>
-              </a:buClr>
-              <a:buSzPct val="100000"/>
-              <a:buFont typeface="Calibri" panose="020F0502020204030204" pitchFamily="34" charset="0"/>
-              <a:buChar char=" "/>
-              <a:defRPr sz="2000" kern="1200">
-                <a:solidFill>
-                  <a:schemeClr val="tx1">
-                    <a:lumMod val="75000"/>
-                    <a:lumOff val="25000"/>
-                  </a:schemeClr>
-                </a:solidFill>
-                <a:latin typeface="+mn-lt"/>
-                <a:ea typeface="+mn-ea"/>
-                <a:cs typeface="+mn-cs"/>
-              </a:defRPr>
-            </a:lvl1pPr>
-            <a:lvl2pPr marL="384048" indent="-182880" algn="l" defTabSz="914400" rtl="0" eaLnBrk="1" latinLnBrk="0" hangingPunct="1">
-              <a:lnSpc>
-                <a:spcPct val="90000"/>
-              </a:lnSpc>
-              <a:spcBef>
-                <a:spcPts val="200"/>
-              </a:spcBef>
-              <a:spcAft>
-                <a:spcPts val="400"/>
-              </a:spcAft>
-              <a:buClr>
-                <a:schemeClr val="accent1"/>
-              </a:buClr>
-              <a:buFont typeface="Calibri" pitchFamily="34" charset="0"/>
-              <a:buChar char="◦"/>
-              <a:defRPr sz="1800" kern="1200">
-                <a:solidFill>
-                  <a:schemeClr val="tx1">
-                    <a:lumMod val="75000"/>
-                    <a:lumOff val="25000"/>
-                  </a:schemeClr>
-                </a:solidFill>
-                <a:latin typeface="+mn-lt"/>
-                <a:ea typeface="+mn-ea"/>
-                <a:cs typeface="+mn-cs"/>
-              </a:defRPr>
-            </a:lvl2pPr>
-            <a:lvl3pPr marL="566928" indent="-182880" algn="l" defTabSz="914400" rtl="0" eaLnBrk="1" latinLnBrk="0" hangingPunct="1">
-              <a:lnSpc>
-                <a:spcPct val="90000"/>
-              </a:lnSpc>
-              <a:spcBef>
-                <a:spcPts val="200"/>
-              </a:spcBef>
-              <a:spcAft>
-                <a:spcPts val="400"/>
-              </a:spcAft>
-              <a:buClr>
-                <a:schemeClr val="accent1"/>
-              </a:buClr>
-              <a:buFont typeface="Calibri" pitchFamily="34" charset="0"/>
-              <a:buChar char="◦"/>
-              <a:defRPr sz="1400" kern="1200">
-                <a:solidFill>
-                  <a:schemeClr val="tx1">
-                    <a:lumMod val="75000"/>
-                    <a:lumOff val="25000"/>
-                  </a:schemeClr>
-                </a:solidFill>
-                <a:latin typeface="+mn-lt"/>
-                <a:ea typeface="+mn-ea"/>
-                <a:cs typeface="+mn-cs"/>
-              </a:defRPr>
-            </a:lvl3pPr>
-            <a:lvl4pPr marL="749808" indent="-182880" algn="l" defTabSz="914400" rtl="0" eaLnBrk="1" latinLnBrk="0" hangingPunct="1">
-              <a:lnSpc>
-                <a:spcPct val="90000"/>
-              </a:lnSpc>
-              <a:spcBef>
-                <a:spcPts val="200"/>
-              </a:spcBef>
-              <a:spcAft>
-                <a:spcPts val="400"/>
-              </a:spcAft>
-              <a:buClr>
-                <a:schemeClr val="accent1"/>
-              </a:buClr>
-              <a:buFont typeface="Calibri" pitchFamily="34" charset="0"/>
-              <a:buChar char="◦"/>
-              <a:defRPr sz="1400" kern="1200">
-                <a:solidFill>
-                  <a:schemeClr val="tx1">
-                    <a:lumMod val="75000"/>
-                    <a:lumOff val="25000"/>
-                  </a:schemeClr>
-                </a:solidFill>
-                <a:latin typeface="+mn-lt"/>
-                <a:ea typeface="+mn-ea"/>
-                <a:cs typeface="+mn-cs"/>
-              </a:defRPr>
-            </a:lvl4pPr>
-            <a:lvl5pPr marL="932688" indent="-182880" algn="l" defTabSz="914400" rtl="0" eaLnBrk="1" latinLnBrk="0" hangingPunct="1">
-              <a:lnSpc>
-                <a:spcPct val="90000"/>
-              </a:lnSpc>
-              <a:spcBef>
-                <a:spcPts val="200"/>
-              </a:spcBef>
-              <a:spcAft>
-                <a:spcPts val="400"/>
-              </a:spcAft>
-              <a:buClr>
-                <a:schemeClr val="accent1"/>
-              </a:buClr>
-              <a:buFont typeface="Calibri" pitchFamily="34" charset="0"/>
-              <a:buChar char="◦"/>
-              <a:defRPr sz="1400" kern="1200">
-                <a:solidFill>
-                  <a:schemeClr val="tx1">
-                    <a:lumMod val="75000"/>
-                    <a:lumOff val="25000"/>
-                  </a:schemeClr>
-                </a:solidFill>
-                <a:latin typeface="+mn-lt"/>
-                <a:ea typeface="+mn-ea"/>
-                <a:cs typeface="+mn-cs"/>
-              </a:defRPr>
-            </a:lvl5pPr>
-            <a:lvl6pPr marL="1100000" indent="-228600" algn="l" defTabSz="914400" rtl="0" eaLnBrk="1" latinLnBrk="0" hangingPunct="1">
-              <a:lnSpc>
-                <a:spcPct val="90000"/>
-              </a:lnSpc>
-              <a:spcBef>
-                <a:spcPts val="200"/>
-              </a:spcBef>
-              <a:spcAft>
-                <a:spcPts val="400"/>
-              </a:spcAft>
-              <a:buClr>
-                <a:schemeClr val="accent1"/>
-              </a:buClr>
-              <a:buFont typeface="Calibri" pitchFamily="34" charset="0"/>
-              <a:buChar char="◦"/>
-              <a:defRPr sz="1400" kern="1200">
-                <a:solidFill>
-                  <a:schemeClr val="tx1">
-                    <a:lumMod val="75000"/>
-                    <a:lumOff val="25000"/>
-                  </a:schemeClr>
-                </a:solidFill>
-                <a:latin typeface="+mn-lt"/>
-                <a:ea typeface="+mn-ea"/>
-                <a:cs typeface="+mn-cs"/>
-              </a:defRPr>
-            </a:lvl6pPr>
-            <a:lvl7pPr marL="1300000" indent="-228600" algn="l" defTabSz="914400" rtl="0" eaLnBrk="1" latinLnBrk="0" hangingPunct="1">
-              <a:lnSpc>
-                <a:spcPct val="90000"/>
-              </a:lnSpc>
-              <a:spcBef>
-                <a:spcPts val="200"/>
-              </a:spcBef>
-              <a:spcAft>
-                <a:spcPts val="400"/>
-              </a:spcAft>
-              <a:buClr>
-                <a:schemeClr val="accent1"/>
-              </a:buClr>
-              <a:buFont typeface="Calibri" pitchFamily="34" charset="0"/>
-              <a:buChar char="◦"/>
-              <a:defRPr sz="1400" kern="1200">
-                <a:solidFill>
-                  <a:schemeClr val="tx1">
-                    <a:lumMod val="75000"/>
-                    <a:lumOff val="25000"/>
-                  </a:schemeClr>
-                </a:solidFill>
-                <a:latin typeface="+mn-lt"/>
-                <a:ea typeface="+mn-ea"/>
-                <a:cs typeface="+mn-cs"/>
-              </a:defRPr>
-            </a:lvl7pPr>
-            <a:lvl8pPr marL="1500000" indent="-228600" algn="l" defTabSz="914400" rtl="0" eaLnBrk="1" latinLnBrk="0" hangingPunct="1">
-              <a:lnSpc>
-                <a:spcPct val="90000"/>
-              </a:lnSpc>
-              <a:spcBef>
-                <a:spcPts val="200"/>
-              </a:spcBef>
-              <a:spcAft>
-                <a:spcPts val="400"/>
-              </a:spcAft>
-              <a:buClr>
-                <a:schemeClr val="accent1"/>
-              </a:buClr>
-              <a:buFont typeface="Calibri" pitchFamily="34" charset="0"/>
-              <a:buChar char="◦"/>
-              <a:defRPr sz="1400" kern="1200">
-                <a:solidFill>
-                  <a:schemeClr val="tx1">
-                    <a:lumMod val="75000"/>
-                    <a:lumOff val="25000"/>
-                  </a:schemeClr>
-                </a:solidFill>
-                <a:latin typeface="+mn-lt"/>
-                <a:ea typeface="+mn-ea"/>
-                <a:cs typeface="+mn-cs"/>
-              </a:defRPr>
-            </a:lvl8pPr>
-            <a:lvl9pPr marL="1700000" indent="-228600" algn="l" defTabSz="914400" rtl="0" eaLnBrk="1" latinLnBrk="0" hangingPunct="1">
-              <a:lnSpc>
-                <a:spcPct val="90000"/>
-              </a:lnSpc>
-              <a:spcBef>
-                <a:spcPts val="200"/>
-              </a:spcBef>
-              <a:spcAft>
-                <a:spcPts val="400"/>
-              </a:spcAft>
-              <a:buClr>
-                <a:schemeClr val="accent1"/>
-              </a:buClr>
-              <a:buFont typeface="Calibri" pitchFamily="34" charset="0"/>
-              <a:buChar char="◦"/>
-              <a:defRPr sz="1400" kern="1200">
-                <a:solidFill>
-                  <a:schemeClr val="tx1">
-                    <a:lumMod val="75000"/>
-                    <a:lumOff val="25000"/>
-                  </a:schemeClr>
-                </a:solidFill>
-                <a:latin typeface="+mn-lt"/>
-                <a:ea typeface="+mn-ea"/>
-                <a:cs typeface="+mn-cs"/>
-              </a:defRPr>
-            </a:lvl9pPr>
-          </a:lstStyle>
-          <a:p>
-            <a:r>
-              <a:rPr lang="en-US" sz="3200" dirty="0" smtClean="0">
-                <a:solidFill>
-                  <a:schemeClr val="tx1"/>
-                </a:solidFill>
-              </a:rPr>
-              <a:t>VS</a:t>
-            </a:r>
-          </a:p>
-        </p:txBody>
-      </p:sp>
     </p:spTree>
     <p:extLst>
       <p:ext uri="{BB962C8B-B14F-4D97-AF65-F5344CB8AC3E}">
@@ -9205,18 +8535,18 @@
             <p:ph idx="1"/>
             <p:extLst>
               <p:ext uri="{D42A27DB-BD31-4B8C-83A1-F6EECF244321}">
-                <p14:modId xmlns:p14="http://schemas.microsoft.com/office/powerpoint/2010/main" val="837850777"/>
+                <p14:modId xmlns:p14="http://schemas.microsoft.com/office/powerpoint/2010/main" val="1437796633"/>
               </p:ext>
             </p:extLst>
           </p:nvPr>
         </p:nvGraphicFramePr>
         <p:xfrm>
-          <a:off x="358686" y="1850847"/>
+          <a:off x="2518686" y="1966047"/>
           <a:ext cx="3868945" cy="4022725"/>
         </p:xfrm>
         <a:graphic>
           <a:graphicData uri="http://schemas.openxmlformats.org/drawingml/2006/diagram">
-            <dgm:relIds xmlns:dgm="http://schemas.openxmlformats.org/drawingml/2006/diagram" xmlns:r="http://schemas.openxmlformats.org/officeDocument/2006/relationships" r:dm="rId4" r:lo="rId5" r:qs="rId6" r:cs="rId7"/>
+            <dgm:relIds xmlns:dgm="http://schemas.openxmlformats.org/drawingml/2006/diagram" xmlns:r="http://schemas.openxmlformats.org/officeDocument/2006/relationships" r:dm="rId3" r:lo="rId4" r:qs="rId5" r:cs="rId6"/>
           </a:graphicData>
         </a:graphic>
       </p:graphicFrame>
@@ -9240,323 +8570,6 @@
               <a:t>3</a:t>
             </a:fld>
             <a:endParaRPr lang="ru-RU" dirty="0"/>
-          </a:p>
-        </p:txBody>
-      </p:sp>
-      <p:graphicFrame>
-        <p:nvGraphicFramePr>
-          <p:cNvPr id="11" name="Объект 10"/>
-          <p:cNvGraphicFramePr>
-            <a:graphicFrameLocks noChangeAspect="1"/>
-          </p:cNvGraphicFramePr>
-          <p:nvPr>
-            <p:extLst>
-              <p:ext uri="{D42A27DB-BD31-4B8C-83A1-F6EECF244321}">
-                <p14:modId xmlns:p14="http://schemas.microsoft.com/office/powerpoint/2010/main" val="637946567"/>
-              </p:ext>
-            </p:extLst>
-          </p:nvPr>
-        </p:nvGraphicFramePr>
-        <p:xfrm>
-          <a:off x="7842625" y="2569484"/>
-          <a:ext cx="1133475" cy="1285875"/>
-        </p:xfrm>
-        <a:graphic>
-          <a:graphicData uri="http://schemas.openxmlformats.org/presentationml/2006/ole">
-            <mc:AlternateContent xmlns:mc="http://schemas.openxmlformats.org/markup-compatibility/2006">
-              <mc:Choice xmlns:v="urn:schemas-microsoft-com:vml" Requires="v">
-                <p:oleObj spid="_x0000_s9245" name="ChemSketch" r:id="rId9" imgW="1136904" imgH="1286256" progId="ACD.ChemSketch.20">
-                  <p:embed/>
-                </p:oleObj>
-              </mc:Choice>
-              <mc:Fallback>
-                <p:oleObj name="ChemSketch" r:id="rId9" imgW="1136904" imgH="1286256" progId="ACD.ChemSketch.20">
-                  <p:embed/>
-                  <p:pic>
-                    <p:nvPicPr>
-                      <p:cNvPr id="0" name="Object 1"/>
-                      <p:cNvPicPr>
-                        <a:picLocks noChangeAspect="1" noChangeArrowheads="1"/>
-                      </p:cNvPicPr>
-                      <p:nvPr/>
-                    </p:nvPicPr>
-                    <p:blipFill>
-                      <a:blip r:embed="rId10">
-                        <a:extLst>
-                          <a:ext uri="{28A0092B-C50C-407E-A947-70E740481C1C}">
-                            <a14:useLocalDpi xmlns:a14="http://schemas.microsoft.com/office/drawing/2010/main" val="0"/>
-                          </a:ext>
-                        </a:extLst>
-                      </a:blip>
-                      <a:srcRect/>
-                      <a:stretch>
-                        <a:fillRect/>
-                      </a:stretch>
-                    </p:blipFill>
-                    <p:spPr bwMode="auto">
-                      <a:xfrm>
-                        <a:off x="7842625" y="2569484"/>
-                        <a:ext cx="1133475" cy="1285875"/>
-                      </a:xfrm>
-                      <a:prstGeom prst="rect">
-                        <a:avLst/>
-                      </a:prstGeom>
-                      <a:noFill/>
-                      <a:extLst>
-                        <a:ext uri="{909E8E84-426E-40DD-AFC4-6F175D3DCCD1}">
-                          <a14:hiddenFill xmlns:a14="http://schemas.microsoft.com/office/drawing/2010/main">
-                            <a:solidFill>
-                              <a:srgbClr val="FFFFFF"/>
-                            </a:solidFill>
-                          </a14:hiddenFill>
-                        </a:ext>
-                      </a:extLst>
-                    </p:spPr>
-                  </p:pic>
-                </p:oleObj>
-              </mc:Fallback>
-            </mc:AlternateContent>
-          </a:graphicData>
-        </a:graphic>
-      </p:graphicFrame>
-      <p:sp>
-        <p:nvSpPr>
-          <p:cNvPr id="12" name="Овал 11"/>
-          <p:cNvSpPr/>
-          <p:nvPr/>
-        </p:nvSpPr>
-        <p:spPr>
-          <a:xfrm>
-            <a:off x="7421218" y="2404703"/>
-            <a:ext cx="1722782" cy="1615439"/>
-          </a:xfrm>
-          <a:prstGeom prst="ellipse">
-            <a:avLst/>
-          </a:prstGeom>
-          <a:noFill/>
-        </p:spPr>
-        <p:style>
-          <a:lnRef idx="2">
-            <a:schemeClr val="accent1">
-              <a:shade val="50000"/>
-            </a:schemeClr>
-          </a:lnRef>
-          <a:fillRef idx="1">
-            <a:schemeClr val="accent1"/>
-          </a:fillRef>
-          <a:effectRef idx="0">
-            <a:schemeClr val="accent1"/>
-          </a:effectRef>
-          <a:fontRef idx="minor">
-            <a:schemeClr val="lt1"/>
-          </a:fontRef>
-        </p:style>
-        <p:txBody>
-          <a:bodyPr rtlCol="0" anchor="ctr"/>
-          <a:lstStyle/>
-          <a:p>
-            <a:pPr algn="ctr"/>
-            <a:endParaRPr lang="ru-RU"/>
-          </a:p>
-        </p:txBody>
-      </p:sp>
-      <p:graphicFrame>
-        <p:nvGraphicFramePr>
-          <p:cNvPr id="14" name="Объект 13"/>
-          <p:cNvGraphicFramePr>
-            <a:graphicFrameLocks noChangeAspect="1"/>
-          </p:cNvGraphicFramePr>
-          <p:nvPr>
-            <p:extLst>
-              <p:ext uri="{D42A27DB-BD31-4B8C-83A1-F6EECF244321}">
-                <p14:modId xmlns:p14="http://schemas.microsoft.com/office/powerpoint/2010/main" val="1695897911"/>
-              </p:ext>
-            </p:extLst>
-          </p:nvPr>
-        </p:nvGraphicFramePr>
-        <p:xfrm>
-          <a:off x="4594860" y="2034659"/>
-          <a:ext cx="2825796" cy="740089"/>
-        </p:xfrm>
-        <a:graphic>
-          <a:graphicData uri="http://schemas.openxmlformats.org/presentationml/2006/ole">
-            <mc:AlternateContent xmlns:mc="http://schemas.openxmlformats.org/markup-compatibility/2006">
-              <mc:Choice xmlns:v="urn:schemas-microsoft-com:vml" Requires="v">
-                <p:oleObj spid="_x0000_s9246" name="ChemSketch" r:id="rId11" imgW="1999488" imgH="527304" progId="ACD.ChemSketch.20">
-                  <p:embed/>
-                </p:oleObj>
-              </mc:Choice>
-              <mc:Fallback>
-                <p:oleObj name="ChemSketch" r:id="rId11" imgW="1999488" imgH="527304" progId="ACD.ChemSketch.20">
-                  <p:embed/>
-                  <p:pic>
-                    <p:nvPicPr>
-                      <p:cNvPr id="0" name="Object 3"/>
-                      <p:cNvPicPr>
-                        <a:picLocks noChangeAspect="1" noChangeArrowheads="1"/>
-                      </p:cNvPicPr>
-                      <p:nvPr/>
-                    </p:nvPicPr>
-                    <p:blipFill>
-                      <a:blip r:embed="rId12">
-                        <a:extLst>
-                          <a:ext uri="{28A0092B-C50C-407E-A947-70E740481C1C}">
-                            <a14:useLocalDpi xmlns:a14="http://schemas.microsoft.com/office/drawing/2010/main" val="0"/>
-                          </a:ext>
-                        </a:extLst>
-                      </a:blip>
-                      <a:srcRect/>
-                      <a:stretch>
-                        <a:fillRect/>
-                      </a:stretch>
-                    </p:blipFill>
-                    <p:spPr bwMode="auto">
-                      <a:xfrm>
-                        <a:off x="4594860" y="2034659"/>
-                        <a:ext cx="2825796" cy="740089"/>
-                      </a:xfrm>
-                      <a:prstGeom prst="rect">
-                        <a:avLst/>
-                      </a:prstGeom>
-                      <a:noFill/>
-                    </p:spPr>
-                  </p:pic>
-                </p:oleObj>
-              </mc:Fallback>
-            </mc:AlternateContent>
-          </a:graphicData>
-        </a:graphic>
-      </p:graphicFrame>
-      <p:sp>
-        <p:nvSpPr>
-          <p:cNvPr id="15" name="Овал 14"/>
-          <p:cNvSpPr/>
-          <p:nvPr/>
-        </p:nvSpPr>
-        <p:spPr>
-          <a:xfrm>
-            <a:off x="4464461" y="1899759"/>
-            <a:ext cx="3306083" cy="1022821"/>
-          </a:xfrm>
-          <a:prstGeom prst="ellipse">
-            <a:avLst/>
-          </a:prstGeom>
-          <a:noFill/>
-        </p:spPr>
-        <p:style>
-          <a:lnRef idx="2">
-            <a:schemeClr val="accent1">
-              <a:shade val="50000"/>
-            </a:schemeClr>
-          </a:lnRef>
-          <a:fillRef idx="1">
-            <a:schemeClr val="accent1"/>
-          </a:fillRef>
-          <a:effectRef idx="0">
-            <a:schemeClr val="accent1"/>
-          </a:effectRef>
-          <a:fontRef idx="minor">
-            <a:schemeClr val="lt1"/>
-          </a:fontRef>
-        </p:style>
-        <p:txBody>
-          <a:bodyPr rtlCol="0" anchor="ctr"/>
-          <a:lstStyle/>
-          <a:p>
-            <a:pPr algn="ctr"/>
-            <a:endParaRPr lang="ru-RU"/>
-          </a:p>
-        </p:txBody>
-      </p:sp>
-      <p:pic>
-        <p:nvPicPr>
-          <p:cNvPr id="9222" name="Picture 6" descr="Картинки по запросу iupac table"/>
-          <p:cNvPicPr>
-            <a:picLocks noChangeAspect="1" noChangeArrowheads="1"/>
-          </p:cNvPicPr>
-          <p:nvPr/>
-        </p:nvPicPr>
-        <p:blipFill>
-          <a:blip r:embed="rId13" cstate="print">
-            <a:clrChange>
-              <a:clrFrom>
-                <a:srgbClr val="FFFFFF"/>
-              </a:clrFrom>
-              <a:clrTo>
-                <a:srgbClr val="FFFFFF">
-                  <a:alpha val="0"/>
-                </a:srgbClr>
-              </a:clrTo>
-            </a:clrChange>
-            <a:extLst>
-              <a:ext uri="{28A0092B-C50C-407E-A947-70E740481C1C}">
-                <a14:useLocalDpi xmlns:a14="http://schemas.microsoft.com/office/drawing/2010/main" val="0"/>
-              </a:ext>
-            </a:extLst>
-          </a:blip>
-          <a:srcRect/>
-          <a:stretch>
-            <a:fillRect/>
-          </a:stretch>
-        </p:blipFill>
-        <p:spPr bwMode="auto">
-          <a:xfrm>
-            <a:off x="4738917" y="4048170"/>
-            <a:ext cx="3510938" cy="2367842"/>
-          </a:xfrm>
-          <a:prstGeom prst="rect">
-            <a:avLst/>
-          </a:prstGeom>
-          <a:noFill/>
-          <a:extLst>
-            <a:ext uri="{909E8E84-426E-40DD-AFC4-6F175D3DCCD1}">
-              <a14:hiddenFill xmlns:a14="http://schemas.microsoft.com/office/drawing/2010/main">
-                <a:solidFill>
-                  <a:srgbClr val="FFFFFF"/>
-                </a:solidFill>
-              </a14:hiddenFill>
-            </a:ext>
-          </a:extLst>
-        </p:spPr>
-      </p:pic>
-      <p:sp>
-        <p:nvSpPr>
-          <p:cNvPr id="16" name="Скругленный прямоугольник 15"/>
-          <p:cNvSpPr/>
-          <p:nvPr/>
-        </p:nvSpPr>
-        <p:spPr>
-          <a:xfrm>
-            <a:off x="4464461" y="4048170"/>
-            <a:ext cx="3902299" cy="2231583"/>
-          </a:xfrm>
-          <a:prstGeom prst="roundRect">
-            <a:avLst/>
-          </a:prstGeom>
-          <a:noFill/>
-        </p:spPr>
-        <p:style>
-          <a:lnRef idx="2">
-            <a:schemeClr val="accent1">
-              <a:shade val="50000"/>
-            </a:schemeClr>
-          </a:lnRef>
-          <a:fillRef idx="1">
-            <a:schemeClr val="accent1"/>
-          </a:fillRef>
-          <a:effectRef idx="0">
-            <a:schemeClr val="accent1"/>
-          </a:effectRef>
-          <a:fontRef idx="minor">
-            <a:schemeClr val="lt1"/>
-          </a:fontRef>
-        </p:style>
-        <p:txBody>
-          <a:bodyPr rtlCol="0" anchor="ctr"/>
-          <a:lstStyle/>
-          <a:p>
-            <a:pPr algn="ctr"/>
-            <a:endParaRPr lang="ru-RU"/>
           </a:p>
         </p:txBody>
       </p:sp>
@@ -9645,81 +8658,132 @@
       </p:sp>
       <p:pic>
         <p:nvPicPr>
-          <p:cNvPr id="5" name="Рисунок 4"/>
+          <p:cNvPr id="11268" name="Picture 4" descr="Картинки по запросу asp net"/>
           <p:cNvPicPr>
-            <a:picLocks noChangeAspect="1"/>
+            <a:picLocks noChangeAspect="1" noChangeArrowheads="1"/>
           </p:cNvPicPr>
           <p:nvPr/>
         </p:nvPicPr>
         <p:blipFill>
-          <a:blip r:embed="rId3"/>
+          <a:blip r:embed="rId3">
+            <a:extLst>
+              <a:ext uri="{28A0092B-C50C-407E-A947-70E740481C1C}">
+                <a14:useLocalDpi xmlns:a14="http://schemas.microsoft.com/office/drawing/2010/main" val="0"/>
+              </a:ext>
+            </a:extLst>
+          </a:blip>
+          <a:srcRect/>
           <a:stretch>
             <a:fillRect/>
           </a:stretch>
         </p:blipFill>
-        <p:spPr>
+        <p:spPr bwMode="auto">
           <a:xfrm>
-            <a:off x="1409431" y="4933279"/>
-            <a:ext cx="1714500" cy="1009650"/>
+            <a:off x="347010" y="1929600"/>
+            <a:ext cx="2264430" cy="1722000"/>
           </a:xfrm>
           <a:prstGeom prst="rect">
             <a:avLst/>
           </a:prstGeom>
+          <a:noFill/>
+          <a:extLst>
+            <a:ext uri="{909E8E84-426E-40DD-AFC4-6F175D3DCCD1}">
+              <a14:hiddenFill xmlns:a14="http://schemas.microsoft.com/office/drawing/2010/main">
+                <a:solidFill>
+                  <a:srgbClr val="FFFFFF"/>
+                </a:solidFill>
+              </a14:hiddenFill>
+            </a:ext>
+          </a:extLst>
         </p:spPr>
       </p:pic>
       <p:pic>
         <p:nvPicPr>
-          <p:cNvPr id="8" name="Рисунок 7"/>
+          <p:cNvPr id="11272" name="Picture 8" descr="Картинки по запросу mvc"/>
           <p:cNvPicPr>
-            <a:picLocks noChangeAspect="1"/>
+            <a:picLocks noChangeAspect="1" noChangeArrowheads="1"/>
           </p:cNvPicPr>
           <p:nvPr/>
         </p:nvPicPr>
         <p:blipFill>
-          <a:blip r:embed="rId4"/>
+          <a:blip r:embed="rId4" cstate="print">
+            <a:extLst>
+              <a:ext uri="{28A0092B-C50C-407E-A947-70E740481C1C}">
+                <a14:useLocalDpi xmlns:a14="http://schemas.microsoft.com/office/drawing/2010/main" val="0"/>
+              </a:ext>
+            </a:extLst>
+          </a:blip>
+          <a:srcRect/>
           <a:stretch>
             <a:fillRect/>
           </a:stretch>
         </p:blipFill>
-        <p:spPr>
+        <p:spPr bwMode="auto">
           <a:xfrm>
-            <a:off x="951750" y="3427792"/>
-            <a:ext cx="2750311" cy="1299227"/>
+            <a:off x="201731" y="4094273"/>
+            <a:ext cx="2843869" cy="1569838"/>
           </a:xfrm>
           <a:prstGeom prst="rect">
             <a:avLst/>
           </a:prstGeom>
+          <a:noFill/>
+          <a:extLst>
+            <a:ext uri="{909E8E84-426E-40DD-AFC4-6F175D3DCCD1}">
+              <a14:hiddenFill xmlns:a14="http://schemas.microsoft.com/office/drawing/2010/main">
+                <a:solidFill>
+                  <a:srgbClr val="FFFFFF"/>
+                </a:solidFill>
+              </a14:hiddenFill>
+            </a:ext>
+          </a:extLst>
         </p:spPr>
       </p:pic>
       <p:pic>
         <p:nvPicPr>
-          <p:cNvPr id="9" name="Рисунок 8"/>
+          <p:cNvPr id="11274" name="Picture 10" descr="Картинки по запросу entity framework"/>
           <p:cNvPicPr>
-            <a:picLocks noChangeAspect="1"/>
+            <a:picLocks noChangeAspect="1" noChangeArrowheads="1"/>
           </p:cNvPicPr>
           <p:nvPr/>
         </p:nvPicPr>
         <p:blipFill>
-          <a:blip r:embed="rId5"/>
+          <a:blip r:embed="rId5">
+            <a:extLst>
+              <a:ext uri="{28A0092B-C50C-407E-A947-70E740481C1C}">
+                <a14:useLocalDpi xmlns:a14="http://schemas.microsoft.com/office/drawing/2010/main" val="0"/>
+              </a:ext>
+            </a:extLst>
+          </a:blip>
+          <a:srcRect/>
           <a:stretch>
             <a:fillRect/>
           </a:stretch>
         </p:blipFill>
-        <p:spPr>
+        <p:spPr bwMode="auto">
           <a:xfrm>
-            <a:off x="732807" y="1840407"/>
-            <a:ext cx="3305175" cy="1381125"/>
+            <a:off x="3645098" y="1840838"/>
+            <a:ext cx="1899523" cy="1899523"/>
           </a:xfrm>
           <a:prstGeom prst="rect">
             <a:avLst/>
           </a:prstGeom>
+          <a:noFill/>
+          <a:extLst>
+            <a:ext uri="{909E8E84-426E-40DD-AFC4-6F175D3DCCD1}">
+              <a14:hiddenFill xmlns:a14="http://schemas.microsoft.com/office/drawing/2010/main">
+                <a:solidFill>
+                  <a:srgbClr val="FFFFFF"/>
+                </a:solidFill>
+              </a14:hiddenFill>
+            </a:ext>
+          </a:extLst>
         </p:spPr>
       </p:pic>
       <p:pic>
         <p:nvPicPr>
-          <p:cNvPr id="10" name="Рисунок 9"/>
+          <p:cNvPr id="11276" name="Picture 12" descr="Картинки по запросу c#"/>
           <p:cNvPicPr>
-            <a:picLocks noChangeAspect="1"/>
+            <a:picLocks noChangeAspect="1" noChangeArrowheads="1"/>
           </p:cNvPicPr>
           <p:nvPr/>
         </p:nvPicPr>
@@ -9731,59 +8795,152 @@
               </a:ext>
             </a:extLst>
           </a:blip>
-          <a:srcRect t="3755" b="8260"/>
+          <a:srcRect l="18739" r="22907"/>
           <a:stretch/>
         </p:blipFill>
-        <p:spPr>
+        <p:spPr bwMode="auto">
           <a:xfrm>
-            <a:off x="5483502" y="1836859"/>
-            <a:ext cx="2625107" cy="4106070"/>
+            <a:off x="3284459" y="4006234"/>
+            <a:ext cx="1310400" cy="1608150"/>
           </a:xfrm>
           <a:prstGeom prst="rect">
             <a:avLst/>
           </a:prstGeom>
+          <a:noFill/>
+          <a:extLst>
+            <a:ext uri="{909E8E84-426E-40DD-AFC4-6F175D3DCCD1}">
+              <a14:hiddenFill xmlns:a14="http://schemas.microsoft.com/office/drawing/2010/main">
+                <a:solidFill>
+                  <a:srgbClr val="FFFFFF"/>
+                </a:solidFill>
+              </a14:hiddenFill>
+            </a:ext>
+          </a:extLst>
         </p:spPr>
       </p:pic>
-      <p:sp>
-        <p:nvSpPr>
-          <p:cNvPr id="11" name="Стрелка вправо 10"/>
-          <p:cNvSpPr/>
+      <p:pic>
+        <p:nvPicPr>
+          <p:cNvPr id="11278" name="Picture 14" descr="Картинки по запросу ms sql"/>
+          <p:cNvPicPr>
+            <a:picLocks noChangeAspect="1" noChangeArrowheads="1"/>
+          </p:cNvPicPr>
           <p:nvPr/>
-        </p:nvSpPr>
-        <p:spPr>
+        </p:nvPicPr>
+        <p:blipFill>
+          <a:blip r:embed="rId7">
+            <a:extLst>
+              <a:ext uri="{28A0092B-C50C-407E-A947-70E740481C1C}">
+                <a14:useLocalDpi xmlns:a14="http://schemas.microsoft.com/office/drawing/2010/main" val="0"/>
+              </a:ext>
+            </a:extLst>
+          </a:blip>
+          <a:srcRect/>
+          <a:stretch>
+            <a:fillRect/>
+          </a:stretch>
+        </p:blipFill>
+        <p:spPr bwMode="auto">
           <a:xfrm>
-            <a:off x="4005330" y="3747752"/>
-            <a:ext cx="1275008" cy="656823"/>
+            <a:off x="6710923" y="2062838"/>
+            <a:ext cx="1940694" cy="1455521"/>
           </a:xfrm>
-          <a:prstGeom prst="rightArrow">
+          <a:prstGeom prst="rect">
             <a:avLst/>
           </a:prstGeom>
+          <a:noFill/>
+          <a:extLst>
+            <a:ext uri="{909E8E84-426E-40DD-AFC4-6F175D3DCCD1}">
+              <a14:hiddenFill xmlns:a14="http://schemas.microsoft.com/office/drawing/2010/main">
+                <a:solidFill>
+                  <a:srgbClr val="FFFFFF"/>
+                </a:solidFill>
+              </a14:hiddenFill>
+            </a:ext>
+          </a:extLst>
         </p:spPr>
-        <p:style>
-          <a:lnRef idx="2">
-            <a:schemeClr val="accent1">
-              <a:shade val="50000"/>
-            </a:schemeClr>
-          </a:lnRef>
-          <a:fillRef idx="1">
-            <a:schemeClr val="accent1"/>
-          </a:fillRef>
-          <a:effectRef idx="0">
-            <a:schemeClr val="accent1"/>
-          </a:effectRef>
-          <a:fontRef idx="minor">
-            <a:schemeClr val="lt1"/>
-          </a:fontRef>
-        </p:style>
-        <p:txBody>
-          <a:bodyPr rtlCol="0" anchor="ctr"/>
-          <a:lstStyle/>
-          <a:p>
-            <a:pPr algn="ctr"/>
-            <a:endParaRPr lang="ru-RU"/>
-          </a:p>
-        </p:txBody>
-      </p:sp>
+      </p:pic>
+      <p:pic>
+        <p:nvPicPr>
+          <p:cNvPr id="11280" name="Picture 16" descr="Картинки по запросу javascript"/>
+          <p:cNvPicPr>
+            <a:picLocks noChangeAspect="1" noChangeArrowheads="1"/>
+          </p:cNvPicPr>
+          <p:nvPr/>
+        </p:nvPicPr>
+        <p:blipFill>
+          <a:blip r:embed="rId8">
+            <a:extLst>
+              <a:ext uri="{28A0092B-C50C-407E-A947-70E740481C1C}">
+                <a14:useLocalDpi xmlns:a14="http://schemas.microsoft.com/office/drawing/2010/main" val="0"/>
+              </a:ext>
+            </a:extLst>
+          </a:blip>
+          <a:srcRect/>
+          <a:stretch>
+            <a:fillRect/>
+          </a:stretch>
+        </p:blipFill>
+        <p:spPr bwMode="auto">
+          <a:xfrm>
+            <a:off x="5047199" y="4094273"/>
+            <a:ext cx="1251325" cy="1432072"/>
+          </a:xfrm>
+          <a:prstGeom prst="rect">
+            <a:avLst/>
+          </a:prstGeom>
+          <a:noFill/>
+          <a:extLst>
+            <a:ext uri="{909E8E84-426E-40DD-AFC4-6F175D3DCCD1}">
+              <a14:hiddenFill xmlns:a14="http://schemas.microsoft.com/office/drawing/2010/main">
+                <a:solidFill>
+                  <a:srgbClr val="FFFFFF"/>
+                </a:solidFill>
+              </a14:hiddenFill>
+            </a:ext>
+          </a:extLst>
+        </p:spPr>
+      </p:pic>
+      <p:pic>
+        <p:nvPicPr>
+          <p:cNvPr id="11282" name="Picture 18" descr="Картинки по запросу html css"/>
+          <p:cNvPicPr>
+            <a:picLocks noChangeAspect="1" noChangeArrowheads="1"/>
+          </p:cNvPicPr>
+          <p:nvPr/>
+        </p:nvPicPr>
+        <p:blipFill>
+          <a:blip r:embed="rId9" cstate="print">
+            <a:extLst>
+              <a:ext uri="{28A0092B-C50C-407E-A947-70E740481C1C}">
+                <a14:useLocalDpi xmlns:a14="http://schemas.microsoft.com/office/drawing/2010/main" val="0"/>
+              </a:ext>
+            </a:extLst>
+          </a:blip>
+          <a:srcRect/>
+          <a:stretch>
+            <a:fillRect/>
+          </a:stretch>
+        </p:blipFill>
+        <p:spPr bwMode="auto">
+          <a:xfrm>
+            <a:off x="6750864" y="4084665"/>
+            <a:ext cx="2041053" cy="1361751"/>
+          </a:xfrm>
+          <a:prstGeom prst="rect">
+            <a:avLst/>
+          </a:prstGeom>
+          <a:noFill/>
+          <a:extLst>
+            <a:ext uri="{909E8E84-426E-40DD-AFC4-6F175D3DCCD1}">
+              <a14:hiddenFill xmlns:a14="http://schemas.microsoft.com/office/drawing/2010/main">
+                <a:solidFill>
+                  <a:srgbClr val="FFFFFF"/>
+                </a:solidFill>
+              </a14:hiddenFill>
+            </a:ext>
+          </a:extLst>
+        </p:spPr>
+      </p:pic>
     </p:spTree>
     <p:extLst>
       <p:ext uri="{BB962C8B-B14F-4D97-AF65-F5344CB8AC3E}">
@@ -9990,120 +9147,31 @@
           </a:bodyPr>
           <a:lstStyle/>
           <a:p>
-            <a:pPr algn="just"/>
             <a:r>
-              <a:rPr lang="ru-RU" dirty="0" smtClean="0"/>
-              <a:t>Разработано мобильное приложение </a:t>
+              <a:rPr lang="ru-RU" dirty="0"/>
+              <a:t>В ходе проделанной работы был разработан вебсайт «</a:t>
             </a:r>
             <a:r>
-              <a:rPr lang="en-US" dirty="0" err="1" smtClean="0"/>
-              <a:t>ChemPaint</a:t>
+              <a:rPr lang="en-US" dirty="0" err="1"/>
+              <a:t>Petoo</a:t>
             </a:r>
             <a:r>
-              <a:rPr lang="en-US" dirty="0" smtClean="0"/>
-              <a:t> – </a:t>
+              <a:rPr lang="ru-RU" dirty="0"/>
+              <a:t>», который является местом </a:t>
             </a:r>
             <a:r>
-              <a:rPr lang="ru-RU" dirty="0" smtClean="0"/>
-              <a:t>редактор структурных формул органических соединений, имеющее следующий функционал</a:t>
-            </a:r>
-          </a:p>
-          <a:p>
-            <a:pPr lvl="1" algn="just">
-              <a:buFont typeface="Arial" panose="020B0604020202020204" pitchFamily="34" charset="0"/>
-              <a:buChar char="•"/>
-            </a:pPr>
-            <a:r>
-              <a:rPr lang="ru-RU" sz="2000" dirty="0"/>
-              <a:t>создание и редактирование структурных формул с учетом всех ограничений на валентность атомов и групп, порядок и длину связи, валентные углы; </a:t>
-            </a:r>
-          </a:p>
-          <a:p>
-            <a:pPr lvl="1" algn="just">
-              <a:buFont typeface="Arial" panose="020B0604020202020204" pitchFamily="34" charset="0"/>
-              <a:buChar char="•"/>
-            </a:pPr>
-            <a:r>
-              <a:rPr lang="ru-RU" sz="2000" dirty="0" smtClean="0"/>
-              <a:t>наличие </a:t>
+              <a:rPr lang="ru-RU" dirty="0" err="1"/>
+              <a:t>коммуницирования</a:t>
             </a:r>
             <a:r>
-              <a:rPr lang="ru-RU" sz="2000" dirty="0"/>
-              <a:t>Периодической системы Д. И. Менделеева и возможностью работы с ней;</a:t>
+              <a:rPr lang="ru-RU" dirty="0"/>
+              <a:t> между собой для владельцев собак. </a:t>
             </a:r>
           </a:p>
           <a:p>
-            <a:pPr lvl="1" algn="just">
-              <a:buFont typeface="Arial" panose="020B0604020202020204" pitchFamily="34" charset="0"/>
-              <a:buChar char="•"/>
-            </a:pPr>
             <a:r>
-              <a:rPr lang="ru-RU" sz="2000" dirty="0" smtClean="0"/>
-              <a:t> </a:t>
-            </a:r>
-            <a:r>
-              <a:rPr lang="ru-RU" sz="2000" dirty="0"/>
-              <a:t>наличие шаблонов для углеродных скелетов (алифатические, циклические и ароматические соединения);</a:t>
-            </a:r>
-          </a:p>
-          <a:p>
-            <a:pPr lvl="1" algn="just">
-              <a:buFont typeface="Arial" panose="020B0604020202020204" pitchFamily="34" charset="0"/>
-              <a:buChar char="•"/>
-            </a:pPr>
-            <a:r>
-              <a:rPr lang="ru-RU" sz="2000" dirty="0" smtClean="0"/>
-              <a:t>наличие </a:t>
-            </a:r>
-            <a:r>
-              <a:rPr lang="ru-RU" sz="2000" dirty="0"/>
-              <a:t>шаблонов для функциональных групп (</a:t>
-            </a:r>
-            <a:r>
-              <a:rPr lang="ru-RU" sz="2000" dirty="0" err="1"/>
-              <a:t>гидрокси</a:t>
-            </a:r>
-            <a:r>
-              <a:rPr lang="ru-RU" sz="2000" dirty="0"/>
-              <a:t>-, </a:t>
-            </a:r>
-            <a:r>
-              <a:rPr lang="ru-RU" sz="2000" dirty="0" err="1"/>
-              <a:t>метокси</a:t>
-            </a:r>
-            <a:r>
-              <a:rPr lang="ru-RU" sz="2000" dirty="0"/>
-              <a:t>-, </a:t>
-            </a:r>
-            <a:r>
-              <a:rPr lang="ru-RU" sz="2000" dirty="0" err="1"/>
-              <a:t>карбокси</a:t>
-            </a:r>
-            <a:r>
-              <a:rPr lang="ru-RU" sz="2000" dirty="0"/>
-              <a:t>-, кето-, нитро-, </a:t>
-            </a:r>
-            <a:r>
-              <a:rPr lang="ru-RU" sz="2000" dirty="0" err="1"/>
-              <a:t>нитрозо</a:t>
-            </a:r>
-            <a:r>
-              <a:rPr lang="ru-RU" sz="2000" dirty="0"/>
-              <a:t>- и др.)</a:t>
-            </a:r>
-          </a:p>
-          <a:p>
-            <a:pPr lvl="1" algn="just">
-              <a:buFont typeface="Arial" panose="020B0604020202020204" pitchFamily="34" charset="0"/>
-              <a:buChar char="•"/>
-            </a:pPr>
-            <a:r>
-              <a:rPr lang="ru-RU" sz="2000" dirty="0" smtClean="0"/>
-              <a:t> </a:t>
-            </a:r>
-            <a:r>
-              <a:rPr lang="ru-RU" sz="2000" dirty="0"/>
-              <a:t>создания пользовательских молекул с возможностью хранения в базе данных;</a:t>
+              <a:rPr lang="ru-RU" dirty="0"/>
+              <a:t>Данное приложение реализует весь заявленный функционал, а именно возможность зарегистрироваться и войти в свою учетную запись, добавить своих питомцев или изменить их данные, функционал для общения и поиска пары питомцу. </a:t>
             </a:r>
           </a:p>
           <a:p>
@@ -10231,7 +9299,7 @@
       </p:sp>
       <p:pic>
         <p:nvPicPr>
-          <p:cNvPr id="5128" name="Picture 8" descr="Картинки по запросу keep calm and love chemistry"/>
+          <p:cNvPr id="12290" name="Picture 2" descr="ÐÐ°ÑÑÐ¸Ð½ÐºÐ¸ Ð¿Ð¾ Ð·Ð°Ð¿ÑÐ¾ÑÑ keep calm and love dogs"/>
           <p:cNvPicPr>
             <a:picLocks noChangeAspect="1" noChangeArrowheads="1"/>
           </p:cNvPicPr>
@@ -10252,8 +9320,8 @@
         </p:blipFill>
         <p:spPr bwMode="auto">
           <a:xfrm>
-            <a:off x="2734377" y="1928011"/>
-            <a:ext cx="3537634" cy="4127240"/>
+            <a:off x="3384817" y="2381134"/>
+            <a:ext cx="2420085" cy="2906216"/>
           </a:xfrm>
           <a:prstGeom prst="rect">
             <a:avLst/>
